--- a/Presentation/MN演習 最終プレゼン.pptx
+++ b/Presentation/MN演習 最終プレゼン.pptx
@@ -5,7 +5,7 @@
     <p:sldMasterId id="2147483648" r:id="rId1"/>
   </p:sldMasterIdLst>
   <p:notesMasterIdLst>
-    <p:notesMasterId r:id="rId37"/>
+    <p:notesMasterId r:id="rId38"/>
   </p:notesMasterIdLst>
   <p:sldIdLst>
     <p:sldId id="256" r:id="rId2"/>
@@ -13,36 +13,37 @@
     <p:sldId id="275" r:id="rId4"/>
     <p:sldId id="319" r:id="rId5"/>
     <p:sldId id="320" r:id="rId6"/>
-    <p:sldId id="284" r:id="rId7"/>
-    <p:sldId id="285" r:id="rId8"/>
-    <p:sldId id="283" r:id="rId9"/>
-    <p:sldId id="286" r:id="rId10"/>
-    <p:sldId id="277" r:id="rId11"/>
-    <p:sldId id="318" r:id="rId12"/>
-    <p:sldId id="291" r:id="rId13"/>
-    <p:sldId id="294" r:id="rId14"/>
-    <p:sldId id="295" r:id="rId15"/>
-    <p:sldId id="296" r:id="rId16"/>
-    <p:sldId id="276" r:id="rId17"/>
-    <p:sldId id="297" r:id="rId18"/>
-    <p:sldId id="298" r:id="rId19"/>
-    <p:sldId id="313" r:id="rId20"/>
-    <p:sldId id="292" r:id="rId21"/>
-    <p:sldId id="278" r:id="rId22"/>
-    <p:sldId id="299" r:id="rId23"/>
-    <p:sldId id="304" r:id="rId24"/>
-    <p:sldId id="305" r:id="rId25"/>
-    <p:sldId id="306" r:id="rId26"/>
-    <p:sldId id="307" r:id="rId27"/>
-    <p:sldId id="314" r:id="rId28"/>
-    <p:sldId id="308" r:id="rId29"/>
-    <p:sldId id="316" r:id="rId30"/>
-    <p:sldId id="315" r:id="rId31"/>
-    <p:sldId id="309" r:id="rId32"/>
-    <p:sldId id="310" r:id="rId33"/>
-    <p:sldId id="317" r:id="rId34"/>
-    <p:sldId id="311" r:id="rId35"/>
-    <p:sldId id="280" r:id="rId36"/>
+    <p:sldId id="321" r:id="rId7"/>
+    <p:sldId id="284" r:id="rId8"/>
+    <p:sldId id="285" r:id="rId9"/>
+    <p:sldId id="283" r:id="rId10"/>
+    <p:sldId id="286" r:id="rId11"/>
+    <p:sldId id="277" r:id="rId12"/>
+    <p:sldId id="318" r:id="rId13"/>
+    <p:sldId id="291" r:id="rId14"/>
+    <p:sldId id="294" r:id="rId15"/>
+    <p:sldId id="295" r:id="rId16"/>
+    <p:sldId id="296" r:id="rId17"/>
+    <p:sldId id="276" r:id="rId18"/>
+    <p:sldId id="297" r:id="rId19"/>
+    <p:sldId id="298" r:id="rId20"/>
+    <p:sldId id="313" r:id="rId21"/>
+    <p:sldId id="292" r:id="rId22"/>
+    <p:sldId id="278" r:id="rId23"/>
+    <p:sldId id="299" r:id="rId24"/>
+    <p:sldId id="304" r:id="rId25"/>
+    <p:sldId id="305" r:id="rId26"/>
+    <p:sldId id="306" r:id="rId27"/>
+    <p:sldId id="307" r:id="rId28"/>
+    <p:sldId id="314" r:id="rId29"/>
+    <p:sldId id="308" r:id="rId30"/>
+    <p:sldId id="316" r:id="rId31"/>
+    <p:sldId id="315" r:id="rId32"/>
+    <p:sldId id="309" r:id="rId33"/>
+    <p:sldId id="310" r:id="rId34"/>
+    <p:sldId id="317" r:id="rId35"/>
+    <p:sldId id="311" r:id="rId36"/>
+    <p:sldId id="280" r:id="rId37"/>
   </p:sldIdLst>
   <p:sldSz cx="12192000" cy="6858000"/>
   <p:notesSz cx="6858000" cy="9144000"/>
@@ -6567,6 +6568,72 @@
         </a:p>
       </dgm:t>
     </dgm:pt>
+    <dgm:pt modelId="{94F3E886-2A7A-4412-906F-ABCEDCAB66E8}">
+      <dgm:prSet custT="1"/>
+      <dgm:spPr>
+        <a:ln w="38100">
+          <a:solidFill>
+            <a:schemeClr val="accent1"/>
+          </a:solidFill>
+        </a:ln>
+      </dgm:spPr>
+      <dgm:t>
+        <a:bodyPr/>
+        <a:lstStyle/>
+        <a:p>
+          <a:pPr marL="0" lvl="0" indent="0" algn="l" defTabSz="1155700">
+            <a:lnSpc>
+              <a:spcPct val="90000"/>
+            </a:lnSpc>
+            <a:spcBef>
+              <a:spcPct val="0"/>
+            </a:spcBef>
+            <a:spcAft>
+              <a:spcPct val="35000"/>
+            </a:spcAft>
+            <a:buNone/>
+          </a:pPr>
+          <a:r>
+            <a:rPr kumimoji="1" lang="ja-JP" altLang="en-US" sz="2600" b="1" kern="1200" dirty="0">
+              <a:solidFill>
+                <a:prstClr val="black">
+                  <a:hueOff val="0"/>
+                  <a:satOff val="0"/>
+                  <a:lumOff val="0"/>
+                  <a:alphaOff val="0"/>
+                </a:prstClr>
+              </a:solidFill>
+              <a:latin typeface="Arial"/>
+              <a:ea typeface="游ゴシック"/>
+              <a:cs typeface="+mn-cs"/>
+            </a:rPr>
+            <a:t>計画通りに出来なかったこと</a:t>
+          </a:r>
+        </a:p>
+      </dgm:t>
+    </dgm:pt>
+    <dgm:pt modelId="{F18E3B08-5C2E-4429-91C0-465360AA3A6B}" type="parTrans" cxnId="{A1786C7A-94D8-4239-A73C-40A5D086318B}">
+      <dgm:prSet/>
+      <dgm:spPr/>
+      <dgm:t>
+        <a:bodyPr/>
+        <a:lstStyle/>
+        <a:p>
+          <a:endParaRPr kumimoji="1" lang="ja-JP" altLang="en-US"/>
+        </a:p>
+      </dgm:t>
+    </dgm:pt>
+    <dgm:pt modelId="{3A014311-A9FF-41AE-9BC7-87D619BB9F72}" type="sibTrans" cxnId="{A1786C7A-94D8-4239-A73C-40A5D086318B}">
+      <dgm:prSet/>
+      <dgm:spPr/>
+      <dgm:t>
+        <a:bodyPr/>
+        <a:lstStyle/>
+        <a:p>
+          <a:endParaRPr kumimoji="1" lang="ja-JP" altLang="en-US"/>
+        </a:p>
+      </dgm:t>
+    </dgm:pt>
     <dgm:pt modelId="{A0E17FC5-82E2-436F-91AB-E38B1E2AD46E}" type="pres">
       <dgm:prSet presAssocID="{1E95BD93-10CF-4BB8-BA08-ECA79AAC9747}" presName="linear" presStyleCnt="0">
         <dgm:presLayoutVars>
@@ -6577,7 +6644,7 @@
       <dgm:spPr/>
     </dgm:pt>
     <dgm:pt modelId="{6C467DCC-01B2-48DA-BFBD-8E8D4FFB90B3}" type="pres">
-      <dgm:prSet presAssocID="{F88F42CB-C14C-484F-94D3-D5A9BDC4F020}" presName="parentText" presStyleLbl="node1" presStyleIdx="0" presStyleCnt="4">
+      <dgm:prSet presAssocID="{F88F42CB-C14C-484F-94D3-D5A9BDC4F020}" presName="parentText" presStyleLbl="node1" presStyleIdx="0" presStyleCnt="5">
         <dgm:presLayoutVars>
           <dgm:chMax val="0"/>
           <dgm:bulletEnabled val="1"/>
@@ -6594,7 +6661,7 @@
       <dgm:spPr/>
     </dgm:pt>
     <dgm:pt modelId="{8F769B35-9BBE-47BC-A06F-8CF90A01FF72}" type="pres">
-      <dgm:prSet presAssocID="{3BEE66E8-7FE5-4492-A58F-45D1ABEA7C5B}" presName="parentText" presStyleLbl="node1" presStyleIdx="1" presStyleCnt="4">
+      <dgm:prSet presAssocID="{3BEE66E8-7FE5-4492-A58F-45D1ABEA7C5B}" presName="parentText" presStyleLbl="node1" presStyleIdx="1" presStyleCnt="5">
         <dgm:presLayoutVars>
           <dgm:chMax val="0"/>
           <dgm:bulletEnabled val="1"/>
@@ -6611,7 +6678,7 @@
       <dgm:spPr/>
     </dgm:pt>
     <dgm:pt modelId="{CA933E5A-7ABA-4299-A21F-D3A5ABCBBA6E}" type="pres">
-      <dgm:prSet presAssocID="{804D169E-9A97-4DF8-B733-B1E8104856B9}" presName="parentText" presStyleLbl="node1" presStyleIdx="2" presStyleCnt="4">
+      <dgm:prSet presAssocID="{804D169E-9A97-4DF8-B733-B1E8104856B9}" presName="parentText" presStyleLbl="node1" presStyleIdx="2" presStyleCnt="5">
         <dgm:presLayoutVars>
           <dgm:chMax val="0"/>
           <dgm:bulletEnabled val="1"/>
@@ -6628,7 +6695,7 @@
       <dgm:spPr/>
     </dgm:pt>
     <dgm:pt modelId="{1FBA3C83-631E-48BC-AD60-84F86AEDE2A6}" type="pres">
-      <dgm:prSet presAssocID="{FDE791FF-C141-4F82-94BC-E3C080CAA993}" presName="parentText" presStyleLbl="node1" presStyleIdx="3" presStyleCnt="4">
+      <dgm:prSet presAssocID="{FDE791FF-C141-4F82-94BC-E3C080CAA993}" presName="parentText" presStyleLbl="node1" presStyleIdx="3" presStyleCnt="5">
         <dgm:presLayoutVars>
           <dgm:chMax val="0"/>
           <dgm:bulletEnabled val="1"/>
@@ -6640,13 +6707,28 @@
         </a:prstGeom>
       </dgm:spPr>
     </dgm:pt>
+    <dgm:pt modelId="{557D4D89-C77B-4C57-9DEC-045B124602C1}" type="pres">
+      <dgm:prSet presAssocID="{715B3406-5F70-4930-AC5A-E15F855B5BD8}" presName="spacer" presStyleCnt="0"/>
+      <dgm:spPr/>
+    </dgm:pt>
+    <dgm:pt modelId="{F2644AB7-F804-4238-8D78-B65EC23EDC62}" type="pres">
+      <dgm:prSet presAssocID="{94F3E886-2A7A-4412-906F-ABCEDCAB66E8}" presName="parentText" presStyleLbl="node1" presStyleIdx="4" presStyleCnt="5">
+        <dgm:presLayoutVars>
+          <dgm:chMax val="0"/>
+          <dgm:bulletEnabled val="1"/>
+        </dgm:presLayoutVars>
+      </dgm:prSet>
+      <dgm:spPr/>
+    </dgm:pt>
   </dgm:ptLst>
   <dgm:cxnLst>
     <dgm:cxn modelId="{17D0170E-5ECE-4CC0-B2DF-F4B19DE5AE6E}" srcId="{1E95BD93-10CF-4BB8-BA08-ECA79AAC9747}" destId="{3BEE66E8-7FE5-4492-A58F-45D1ABEA7C5B}" srcOrd="1" destOrd="0" parTransId="{C341D6A7-E13A-4152-9543-747564EF49B1}" sibTransId="{52D437A0-C652-4FB9-BF38-CB41D53B2E1E}"/>
     <dgm:cxn modelId="{873D742D-25FD-439B-9050-97B41DAB68CB}" type="presOf" srcId="{1E95BD93-10CF-4BB8-BA08-ECA79AAC9747}" destId="{A0E17FC5-82E2-436F-91AB-E38B1E2AD46E}" srcOrd="0" destOrd="0" presId="urn:microsoft.com/office/officeart/2005/8/layout/vList2"/>
     <dgm:cxn modelId="{ECE06435-37AD-4D21-AB2D-5D6F229C9FF5}" type="presOf" srcId="{804D169E-9A97-4DF8-B733-B1E8104856B9}" destId="{CA933E5A-7ABA-4299-A21F-D3A5ABCBBA6E}" srcOrd="0" destOrd="0" presId="urn:microsoft.com/office/officeart/2005/8/layout/vList2"/>
+    <dgm:cxn modelId="{957C9051-7CC7-4C20-AAB7-B4D93F7883B6}" type="presOf" srcId="{94F3E886-2A7A-4412-906F-ABCEDCAB66E8}" destId="{F2644AB7-F804-4238-8D78-B65EC23EDC62}" srcOrd="0" destOrd="0" presId="urn:microsoft.com/office/officeart/2005/8/layout/vList2"/>
     <dgm:cxn modelId="{0BA0C576-23BC-4A0B-B6C1-56482844F9F4}" srcId="{1E95BD93-10CF-4BB8-BA08-ECA79AAC9747}" destId="{F88F42CB-C14C-484F-94D3-D5A9BDC4F020}" srcOrd="0" destOrd="0" parTransId="{1E9ADA98-9BE9-466F-AD9B-38722E2C4C19}" sibTransId="{4D2EFE25-D5E6-4340-9361-05542C927EC1}"/>
     <dgm:cxn modelId="{DB033B7A-9F03-431A-A335-C6636F909DE9}" type="presOf" srcId="{F88F42CB-C14C-484F-94D3-D5A9BDC4F020}" destId="{6C467DCC-01B2-48DA-BFBD-8E8D4FFB90B3}" srcOrd="0" destOrd="0" presId="urn:microsoft.com/office/officeart/2005/8/layout/vList2"/>
+    <dgm:cxn modelId="{A1786C7A-94D8-4239-A73C-40A5D086318B}" srcId="{1E95BD93-10CF-4BB8-BA08-ECA79AAC9747}" destId="{94F3E886-2A7A-4412-906F-ABCEDCAB66E8}" srcOrd="4" destOrd="0" parTransId="{F18E3B08-5C2E-4429-91C0-465360AA3A6B}" sibTransId="{3A014311-A9FF-41AE-9BC7-87D619BB9F72}"/>
     <dgm:cxn modelId="{2F5B5493-BBBD-4D7D-A2EE-7CE2353B1A6D}" srcId="{1E95BD93-10CF-4BB8-BA08-ECA79AAC9747}" destId="{FDE791FF-C141-4F82-94BC-E3C080CAA993}" srcOrd="3" destOrd="0" parTransId="{FC833E51-A8A4-4410-B9AA-A94481BCE604}" sibTransId="{715B3406-5F70-4930-AC5A-E15F855B5BD8}"/>
     <dgm:cxn modelId="{6369C6B2-E84F-4934-9A39-AF7E4E57EDB4}" type="presOf" srcId="{3BEE66E8-7FE5-4492-A58F-45D1ABEA7C5B}" destId="{8F769B35-9BBE-47BC-A06F-8CF90A01FF72}" srcOrd="0" destOrd="0" presId="urn:microsoft.com/office/officeart/2005/8/layout/vList2"/>
     <dgm:cxn modelId="{E975D4B6-D05D-457B-9060-C6729BF2BA7C}" srcId="{1E95BD93-10CF-4BB8-BA08-ECA79AAC9747}" destId="{804D169E-9A97-4DF8-B733-B1E8104856B9}" srcOrd="2" destOrd="0" parTransId="{BD1F2E08-623F-4B4D-9DCA-874439DEC1B4}" sibTransId="{0BEC43F2-73B1-43A1-A381-6E66D40AA239}"/>
@@ -6658,6 +6740,8 @@
     <dgm:cxn modelId="{0EBE8D74-D46C-4CFE-AA16-E1D35DC958ED}" type="presParOf" srcId="{A0E17FC5-82E2-436F-91AB-E38B1E2AD46E}" destId="{CA933E5A-7ABA-4299-A21F-D3A5ABCBBA6E}" srcOrd="4" destOrd="0" presId="urn:microsoft.com/office/officeart/2005/8/layout/vList2"/>
     <dgm:cxn modelId="{6021FEFC-C788-49E6-8AED-DE570083545C}" type="presParOf" srcId="{A0E17FC5-82E2-436F-91AB-E38B1E2AD46E}" destId="{A075B26D-FB39-435B-BF30-1A21B81F466B}" srcOrd="5" destOrd="0" presId="urn:microsoft.com/office/officeart/2005/8/layout/vList2"/>
     <dgm:cxn modelId="{147E8883-4F3F-42B9-8A4B-884BB72E923D}" type="presParOf" srcId="{A0E17FC5-82E2-436F-91AB-E38B1E2AD46E}" destId="{1FBA3C83-631E-48BC-AD60-84F86AEDE2A6}" srcOrd="6" destOrd="0" presId="urn:microsoft.com/office/officeart/2005/8/layout/vList2"/>
+    <dgm:cxn modelId="{C29BF179-A053-4B7C-A50D-429D9E684D1A}" type="presParOf" srcId="{A0E17FC5-82E2-436F-91AB-E38B1E2AD46E}" destId="{557D4D89-C77B-4C57-9DEC-045B124602C1}" srcOrd="7" destOrd="0" presId="urn:microsoft.com/office/officeart/2005/8/layout/vList2"/>
+    <dgm:cxn modelId="{E5638DA1-415D-4FD1-BA9B-98D243D1EBFB}" type="presParOf" srcId="{A0E17FC5-82E2-436F-91AB-E38B1E2AD46E}" destId="{F2644AB7-F804-4238-8D78-B65EC23EDC62}" srcOrd="8" destOrd="0" presId="urn:microsoft.com/office/officeart/2005/8/layout/vList2"/>
   </dgm:cxnLst>
   <dgm:bg/>
   <dgm:whole/>
@@ -8608,8 +8692,8 @@
       </dsp:nvSpPr>
       <dsp:spPr>
         <a:xfrm>
-          <a:off x="0" y="25388"/>
-          <a:ext cx="5629275" cy="1003860"/>
+          <a:off x="0" y="48609"/>
+          <a:ext cx="5629275" cy="790920"/>
         </a:xfrm>
         <a:prstGeom prst="roundRect">
           <a:avLst/>
@@ -8646,12 +8730,12 @@
         </a:fontRef>
       </dsp:style>
       <dsp:txBody>
-        <a:bodyPr spcFirstLastPara="0" vert="horz" wrap="square" lIns="125730" tIns="125730" rIns="125730" bIns="125730" numCol="1" spcCol="1270" anchor="ctr" anchorCtr="0">
+        <a:bodyPr spcFirstLastPara="0" vert="horz" wrap="square" lIns="99060" tIns="99060" rIns="99060" bIns="99060" numCol="1" spcCol="1270" anchor="ctr" anchorCtr="0">
           <a:noAutofit/>
         </a:bodyPr>
         <a:lstStyle/>
         <a:p>
-          <a:pPr marL="0" lvl="0" indent="0" algn="l" defTabSz="1466850">
+          <a:pPr marL="0" lvl="0" indent="0" algn="l" defTabSz="1155700">
             <a:lnSpc>
               <a:spcPct val="90000"/>
             </a:lnSpc>
@@ -8664,15 +8748,15 @@
             <a:buNone/>
           </a:pPr>
           <a:r>
-            <a:rPr kumimoji="1" lang="ja-JP" sz="3300" b="1" kern="1200" dirty="0"/>
+            <a:rPr kumimoji="1" lang="ja-JP" sz="2600" b="1" kern="1200" dirty="0"/>
             <a:t>作品の概要</a:t>
           </a:r>
-          <a:endParaRPr lang="ja-JP" sz="3300" kern="1200" dirty="0"/>
+          <a:endParaRPr lang="ja-JP" sz="2600" kern="1200" dirty="0"/>
         </a:p>
       </dsp:txBody>
       <dsp:txXfrm>
-        <a:off x="49004" y="74392"/>
-        <a:ext cx="5531267" cy="905852"/>
+        <a:off x="38610" y="87219"/>
+        <a:ext cx="5552055" cy="713700"/>
       </dsp:txXfrm>
     </dsp:sp>
     <dsp:sp modelId="{8F769B35-9BBE-47BC-A06F-8CF90A01FF72}">
@@ -8682,8 +8766,8 @@
       </dsp:nvSpPr>
       <dsp:spPr>
         <a:xfrm>
-          <a:off x="0" y="1124289"/>
-          <a:ext cx="5629275" cy="1003860"/>
+          <a:off x="0" y="914409"/>
+          <a:ext cx="5629275" cy="790920"/>
         </a:xfrm>
         <a:prstGeom prst="roundRect">
           <a:avLst/>
@@ -8720,12 +8804,12 @@
         </a:fontRef>
       </dsp:style>
       <dsp:txBody>
-        <a:bodyPr spcFirstLastPara="0" vert="horz" wrap="square" lIns="125730" tIns="125730" rIns="125730" bIns="125730" numCol="1" spcCol="1270" anchor="ctr" anchorCtr="0">
+        <a:bodyPr spcFirstLastPara="0" vert="horz" wrap="square" lIns="99060" tIns="99060" rIns="99060" bIns="99060" numCol="1" spcCol="1270" anchor="ctr" anchorCtr="0">
           <a:noAutofit/>
         </a:bodyPr>
         <a:lstStyle/>
         <a:p>
-          <a:pPr marL="0" lvl="0" indent="0" algn="l" defTabSz="1466850">
+          <a:pPr marL="0" lvl="0" indent="0" algn="l" defTabSz="1155700">
             <a:lnSpc>
               <a:spcPct val="90000"/>
             </a:lnSpc>
@@ -8738,15 +8822,15 @@
             <a:buNone/>
           </a:pPr>
           <a:r>
-            <a:rPr kumimoji="1" lang="ja-JP" sz="3300" b="1" kern="1200" dirty="0"/>
+            <a:rPr kumimoji="1" lang="ja-JP" sz="2600" b="1" kern="1200" dirty="0"/>
             <a:t>実際にゲームをプレイ</a:t>
           </a:r>
-          <a:endParaRPr lang="ja-JP" sz="3300" kern="1200" dirty="0"/>
+          <a:endParaRPr lang="ja-JP" sz="2600" kern="1200" dirty="0"/>
         </a:p>
       </dsp:txBody>
       <dsp:txXfrm>
-        <a:off x="49004" y="1173293"/>
-        <a:ext cx="5531267" cy="905852"/>
+        <a:off x="38610" y="953019"/>
+        <a:ext cx="5552055" cy="713700"/>
       </dsp:txXfrm>
     </dsp:sp>
     <dsp:sp modelId="{CA933E5A-7ABA-4299-A21F-D3A5ABCBBA6E}">
@@ -8756,8 +8840,8 @@
       </dsp:nvSpPr>
       <dsp:spPr>
         <a:xfrm>
-          <a:off x="0" y="2223189"/>
-          <a:ext cx="5629275" cy="1003860"/>
+          <a:off x="0" y="1780209"/>
+          <a:ext cx="5629275" cy="790920"/>
         </a:xfrm>
         <a:prstGeom prst="roundRect">
           <a:avLst/>
@@ -8794,12 +8878,12 @@
         </a:fontRef>
       </dsp:style>
       <dsp:txBody>
-        <a:bodyPr spcFirstLastPara="0" vert="horz" wrap="square" lIns="125730" tIns="125730" rIns="125730" bIns="125730" numCol="1" spcCol="1270" anchor="ctr" anchorCtr="0">
+        <a:bodyPr spcFirstLastPara="0" vert="horz" wrap="square" lIns="99060" tIns="99060" rIns="99060" bIns="99060" numCol="1" spcCol="1270" anchor="ctr" anchorCtr="0">
           <a:noAutofit/>
         </a:bodyPr>
         <a:lstStyle/>
         <a:p>
-          <a:pPr marL="0" lvl="0" indent="0" algn="l" defTabSz="1466850">
+          <a:pPr marL="0" lvl="0" indent="0" algn="l" defTabSz="1155700">
             <a:lnSpc>
               <a:spcPct val="90000"/>
             </a:lnSpc>
@@ -8812,15 +8896,15 @@
             <a:buNone/>
           </a:pPr>
           <a:r>
-            <a:rPr kumimoji="1" lang="ja-JP" sz="3300" b="1" kern="1200" dirty="0"/>
+            <a:rPr kumimoji="1" lang="ja-JP" sz="2600" b="1" kern="1200" dirty="0"/>
             <a:t>制作過程の紹介</a:t>
           </a:r>
-          <a:endParaRPr lang="ja-JP" sz="3300" kern="1200" dirty="0"/>
+          <a:endParaRPr lang="ja-JP" sz="2600" kern="1200" dirty="0"/>
         </a:p>
       </dsp:txBody>
       <dsp:txXfrm>
-        <a:off x="49004" y="2272193"/>
-        <a:ext cx="5531267" cy="905852"/>
+        <a:off x="38610" y="1818819"/>
+        <a:ext cx="5552055" cy="713700"/>
       </dsp:txXfrm>
     </dsp:sp>
     <dsp:sp modelId="{1FBA3C83-631E-48BC-AD60-84F86AEDE2A6}">
@@ -8830,8 +8914,8 @@
       </dsp:nvSpPr>
       <dsp:spPr>
         <a:xfrm>
-          <a:off x="0" y="3322089"/>
-          <a:ext cx="5629275" cy="1003860"/>
+          <a:off x="0" y="2646008"/>
+          <a:ext cx="5629275" cy="790920"/>
         </a:xfrm>
         <a:prstGeom prst="roundRect">
           <a:avLst/>
@@ -8868,12 +8952,12 @@
         </a:fontRef>
       </dsp:style>
       <dsp:txBody>
-        <a:bodyPr spcFirstLastPara="0" vert="horz" wrap="square" lIns="125730" tIns="125730" rIns="125730" bIns="125730" numCol="1" spcCol="1270" anchor="ctr" anchorCtr="0">
+        <a:bodyPr spcFirstLastPara="0" vert="horz" wrap="square" lIns="99060" tIns="99060" rIns="99060" bIns="99060" numCol="1" spcCol="1270" anchor="ctr" anchorCtr="0">
           <a:noAutofit/>
         </a:bodyPr>
         <a:lstStyle/>
         <a:p>
-          <a:pPr marL="0" lvl="0" indent="0" algn="l" defTabSz="1466850">
+          <a:pPr marL="0" lvl="0" indent="0" algn="l" defTabSz="1155700">
             <a:lnSpc>
               <a:spcPct val="90000"/>
             </a:lnSpc>
@@ -8886,15 +8970,100 @@
             <a:buNone/>
           </a:pPr>
           <a:r>
-            <a:rPr kumimoji="1" lang="ja-JP" sz="3300" b="1" kern="1200" dirty="0"/>
+            <a:rPr kumimoji="1" lang="ja-JP" sz="2600" b="1" kern="1200" dirty="0"/>
             <a:t>アピールポイントの紹介</a:t>
           </a:r>
-          <a:endParaRPr lang="ja-JP" sz="3300" kern="1200" dirty="0"/>
+          <a:endParaRPr lang="ja-JP" sz="2600" kern="1200" dirty="0"/>
         </a:p>
       </dsp:txBody>
       <dsp:txXfrm>
-        <a:off x="49004" y="3371093"/>
-        <a:ext cx="5531267" cy="905852"/>
+        <a:off x="38610" y="2684618"/>
+        <a:ext cx="5552055" cy="713700"/>
+      </dsp:txXfrm>
+    </dsp:sp>
+    <dsp:sp modelId="{F2644AB7-F804-4238-8D78-B65EC23EDC62}">
+      <dsp:nvSpPr>
+        <dsp:cNvPr id="0" name=""/>
+        <dsp:cNvSpPr/>
+      </dsp:nvSpPr>
+      <dsp:spPr>
+        <a:xfrm>
+          <a:off x="0" y="3511809"/>
+          <a:ext cx="5629275" cy="790920"/>
+        </a:xfrm>
+        <a:prstGeom prst="roundRect">
+          <a:avLst/>
+        </a:prstGeom>
+        <a:solidFill>
+          <a:schemeClr val="lt1">
+            <a:hueOff val="0"/>
+            <a:satOff val="0"/>
+            <a:lumOff val="0"/>
+            <a:alphaOff val="0"/>
+          </a:schemeClr>
+        </a:solidFill>
+        <a:ln w="38100" cap="flat" cmpd="sng" algn="ctr">
+          <a:solidFill>
+            <a:schemeClr val="accent1"/>
+          </a:solidFill>
+          <a:prstDash val="solid"/>
+          <a:miter lim="800000"/>
+        </a:ln>
+        <a:effectLst/>
+      </dsp:spPr>
+      <dsp:style>
+        <a:lnRef idx="2">
+          <a:scrgbClr r="0" g="0" b="0"/>
+        </a:lnRef>
+        <a:fillRef idx="1">
+          <a:scrgbClr r="0" g="0" b="0"/>
+        </a:fillRef>
+        <a:effectRef idx="0">
+          <a:scrgbClr r="0" g="0" b="0"/>
+        </a:effectRef>
+        <a:fontRef idx="minor">
+          <a:schemeClr val="lt1"/>
+        </a:fontRef>
+      </dsp:style>
+      <dsp:txBody>
+        <a:bodyPr spcFirstLastPara="0" vert="horz" wrap="square" lIns="99060" tIns="99060" rIns="99060" bIns="99060" numCol="1" spcCol="1270" anchor="ctr" anchorCtr="0">
+          <a:noAutofit/>
+        </a:bodyPr>
+        <a:lstStyle/>
+        <a:p>
+          <a:pPr marL="0" lvl="0" indent="0" algn="l" defTabSz="1155700">
+            <a:lnSpc>
+              <a:spcPct val="90000"/>
+            </a:lnSpc>
+            <a:spcBef>
+              <a:spcPct val="0"/>
+            </a:spcBef>
+            <a:spcAft>
+              <a:spcPct val="35000"/>
+            </a:spcAft>
+            <a:buNone/>
+          </a:pPr>
+          <a:r>
+            <a:rPr kumimoji="1" lang="ja-JP" altLang="en-US" sz="2600" b="1" kern="1200" dirty="0">
+              <a:solidFill>
+                <a:prstClr val="black">
+                  <a:hueOff val="0"/>
+                  <a:satOff val="0"/>
+                  <a:lumOff val="0"/>
+                  <a:alphaOff val="0"/>
+                </a:prstClr>
+              </a:solidFill>
+              <a:latin typeface="Arial"/>
+              <a:ea typeface="游ゴシック"/>
+              <a:cs typeface="+mn-cs"/>
+            </a:rPr>
+            <a:t>計画通りに出来なかったこと</a:t>
+          </a:r>
+        </a:p>
+      </dsp:txBody>
+      <dsp:txXfrm>
+        <a:off x="38610" y="3550419"/>
+        <a:ext cx="5552055" cy="713700"/>
       </dsp:txXfrm>
     </dsp:sp>
   </dsp:spTree>
@@ -22038,7 +22207,7 @@
           <a:p>
             <a:fld id="{AE75C3B4-460E-4BD3-88D8-004BA95FF41E}" type="slidenum">
               <a:rPr kumimoji="1" lang="ja-JP" altLang="en-US" smtClean="0"/>
-              <a:t>8</a:t>
+              <a:t>9</a:t>
             </a:fld>
             <a:endParaRPr kumimoji="1" lang="ja-JP" altLang="en-US"/>
           </a:p>
@@ -22122,7 +22291,7 @@
           <a:p>
             <a:fld id="{AE75C3B4-460E-4BD3-88D8-004BA95FF41E}" type="slidenum">
               <a:rPr kumimoji="1" lang="ja-JP" altLang="en-US" smtClean="0"/>
-              <a:t>9</a:t>
+              <a:t>10</a:t>
             </a:fld>
             <a:endParaRPr kumimoji="1" lang="ja-JP" altLang="en-US"/>
           </a:p>
@@ -22206,7 +22375,7 @@
           <a:p>
             <a:fld id="{AE75C3B4-460E-4BD3-88D8-004BA95FF41E}" type="slidenum">
               <a:rPr kumimoji="1" lang="ja-JP" altLang="en-US" smtClean="0"/>
-              <a:t>17</a:t>
+              <a:t>18</a:t>
             </a:fld>
             <a:endParaRPr kumimoji="1" lang="ja-JP" altLang="en-US"/>
           </a:p>
@@ -22290,7 +22459,7 @@
           <a:p>
             <a:fld id="{AE75C3B4-460E-4BD3-88D8-004BA95FF41E}" type="slidenum">
               <a:rPr kumimoji="1" lang="ja-JP" altLang="en-US" smtClean="0"/>
-              <a:t>18</a:t>
+              <a:t>19</a:t>
             </a:fld>
             <a:endParaRPr kumimoji="1" lang="ja-JP" altLang="en-US"/>
           </a:p>
@@ -22374,7 +22543,7 @@
           <a:p>
             <a:fld id="{AE75C3B4-460E-4BD3-88D8-004BA95FF41E}" type="slidenum">
               <a:rPr kumimoji="1" lang="ja-JP" altLang="en-US" smtClean="0"/>
-              <a:t>35</a:t>
+              <a:t>36</a:t>
             </a:fld>
             <a:endParaRPr kumimoji="1" lang="ja-JP" altLang="en-US"/>
           </a:p>
@@ -27676,6 +27845,95 @@
           <p:cNvPr id="2" name="タイトル 1">
             <a:extLst>
               <a:ext uri="{FF2B5EF4-FFF2-40B4-BE49-F238E27FC236}">
+                <a16:creationId xmlns:a16="http://schemas.microsoft.com/office/drawing/2014/main" id="{51350801-3086-41FF-9858-93C4121A93D0}"/>
+              </a:ext>
+            </a:extLst>
+          </p:cNvPr>
+          <p:cNvSpPr>
+            <a:spLocks noGrp="1"/>
+          </p:cNvSpPr>
+          <p:nvPr>
+            <p:ph type="title"/>
+          </p:nvPr>
+        </p:nvSpPr>
+        <p:spPr/>
+        <p:txBody>
+          <a:bodyPr/>
+          <a:lstStyle/>
+          <a:p>
+            <a:r>
+              <a:rPr kumimoji="1" lang="ja-JP" altLang="en-US" dirty="0"/>
+              <a:t>作業分担</a:t>
+            </a:r>
+          </a:p>
+        </p:txBody>
+      </p:sp>
+      <p:graphicFrame>
+        <p:nvGraphicFramePr>
+          <p:cNvPr id="4" name="コンテンツ プレースホルダー 3">
+            <a:extLst>
+              <a:ext uri="{FF2B5EF4-FFF2-40B4-BE49-F238E27FC236}">
+                <a16:creationId xmlns:a16="http://schemas.microsoft.com/office/drawing/2014/main" id="{337A02F6-CFE7-4933-A70A-4E2CBD96B0C1}"/>
+              </a:ext>
+            </a:extLst>
+          </p:cNvPr>
+          <p:cNvGraphicFramePr>
+            <a:graphicFrameLocks noGrp="1"/>
+          </p:cNvGraphicFramePr>
+          <p:nvPr>
+            <p:ph idx="1"/>
+            <p:extLst>
+              <p:ext uri="{D42A27DB-BD31-4B8C-83A1-F6EECF244321}">
+                <p14:modId xmlns:p14="http://schemas.microsoft.com/office/powerpoint/2010/main" val="677814979"/>
+              </p:ext>
+            </p:extLst>
+          </p:nvPr>
+        </p:nvGraphicFramePr>
+        <p:xfrm>
+          <a:off x="1249017" y="2286276"/>
+          <a:ext cx="9693965" cy="3945559"/>
+        </p:xfrm>
+        <a:graphic>
+          <a:graphicData uri="http://schemas.openxmlformats.org/drawingml/2006/diagram">
+            <dgm:relIds xmlns:dgm="http://schemas.openxmlformats.org/drawingml/2006/diagram" xmlns:r="http://schemas.openxmlformats.org/officeDocument/2006/relationships" r:dm="rId3" r:lo="rId4" r:qs="rId5" r:cs="rId6"/>
+          </a:graphicData>
+        </a:graphic>
+      </p:graphicFrame>
+    </p:spTree>
+    <p:extLst>
+      <p:ext uri="{BB962C8B-B14F-4D97-AF65-F5344CB8AC3E}">
+        <p14:creationId xmlns:p14="http://schemas.microsoft.com/office/powerpoint/2010/main" val="768987267"/>
+      </p:ext>
+    </p:extLst>
+  </p:cSld>
+  <p:clrMapOvr>
+    <a:masterClrMapping/>
+  </p:clrMapOvr>
+</p:sld>
+</file>
+
+<file path=ppt/slides/slide11.xml><?xml version="1.0" encoding="utf-8"?>
+<p:sld xmlns:a="http://schemas.openxmlformats.org/drawingml/2006/main" xmlns:r="http://schemas.openxmlformats.org/officeDocument/2006/relationships" xmlns:p="http://schemas.openxmlformats.org/presentationml/2006/main">
+  <p:cSld>
+    <p:spTree>
+      <p:nvGrpSpPr>
+        <p:cNvPr id="1" name=""/>
+        <p:cNvGrpSpPr/>
+        <p:nvPr/>
+      </p:nvGrpSpPr>
+      <p:grpSpPr>
+        <a:xfrm>
+          <a:off x="0" y="0"/>
+          <a:ext cx="0" cy="0"/>
+          <a:chOff x="0" y="0"/>
+          <a:chExt cx="0" cy="0"/>
+        </a:xfrm>
+      </p:grpSpPr>
+      <p:sp>
+        <p:nvSpPr>
+          <p:cNvPr id="2" name="タイトル 1">
+            <a:extLst>
+              <a:ext uri="{FF2B5EF4-FFF2-40B4-BE49-F238E27FC236}">
                 <a16:creationId xmlns:a16="http://schemas.microsoft.com/office/drawing/2014/main" id="{E1B47A25-949F-4E96-A1E3-9F3CDF4388C4}"/>
               </a:ext>
             </a:extLst>
@@ -27740,10 +27998,191 @@
   <p:clrMapOvr>
     <a:masterClrMapping/>
   </p:clrMapOvr>
+  <p:timing>
+    <p:tnLst>
+      <p:par>
+        <p:cTn id="1" dur="indefinite" restart="never" nodeType="tmRoot">
+          <p:childTnLst>
+            <p:seq concurrent="1" nextAc="seek">
+              <p:cTn id="2" dur="indefinite" nodeType="mainSeq">
+                <p:childTnLst>
+                  <p:par>
+                    <p:cTn id="3" fill="hold">
+                      <p:stCondLst>
+                        <p:cond delay="indefinite"/>
+                      </p:stCondLst>
+                      <p:childTnLst>
+                        <p:par>
+                          <p:cTn id="4" fill="hold">
+                            <p:stCondLst>
+                              <p:cond delay="0"/>
+                            </p:stCondLst>
+                            <p:childTnLst>
+                              <p:par>
+                                <p:cTn id="5" presetID="1" presetClass="emph" presetSubtype="2" fill="hold" grpId="0" nodeType="clickEffect">
+                                  <p:stCondLst>
+                                    <p:cond delay="0"/>
+                                  </p:stCondLst>
+                                  <p:childTnLst>
+                                    <p:animClr clrSpc="rgb" dir="cw">
+                                      <p:cBhvr>
+                                        <p:cTn id="6" dur="500" fill="hold"/>
+                                        <p:tgtEl>
+                                          <p:spTgt spid="4">
+                                            <p:graphicEl>
+                                              <a:dgm id="{F065F745-1126-49A2-A894-78D4A97015E9}"/>
+                                            </p:graphicEl>
+                                          </p:spTgt>
+                                        </p:tgtEl>
+                                        <p:attrNameLst>
+                                          <p:attrName>fillcolor</p:attrName>
+                                        </p:attrNameLst>
+                                      </p:cBhvr>
+                                      <p:to>
+                                        <a:schemeClr val="accent2"/>
+                                      </p:to>
+                                    </p:animClr>
+                                    <p:set>
+                                      <p:cBhvr>
+                                        <p:cTn id="7" dur="500" fill="hold"/>
+                                        <p:tgtEl>
+                                          <p:spTgt spid="4">
+                                            <p:graphicEl>
+                                              <a:dgm id="{F065F745-1126-49A2-A894-78D4A97015E9}"/>
+                                            </p:graphicEl>
+                                          </p:spTgt>
+                                        </p:tgtEl>
+                                        <p:attrNameLst>
+                                          <p:attrName>fill.type</p:attrName>
+                                        </p:attrNameLst>
+                                      </p:cBhvr>
+                                      <p:to>
+                                        <p:strVal val="solid"/>
+                                      </p:to>
+                                    </p:set>
+                                    <p:set>
+                                      <p:cBhvr>
+                                        <p:cTn id="8" dur="500" fill="hold"/>
+                                        <p:tgtEl>
+                                          <p:spTgt spid="4">
+                                            <p:graphicEl>
+                                              <a:dgm id="{F065F745-1126-49A2-A894-78D4A97015E9}"/>
+                                            </p:graphicEl>
+                                          </p:spTgt>
+                                        </p:tgtEl>
+                                        <p:attrNameLst>
+                                          <p:attrName>fill.on</p:attrName>
+                                        </p:attrNameLst>
+                                      </p:cBhvr>
+                                      <p:to>
+                                        <p:strVal val="true"/>
+                                      </p:to>
+                                    </p:set>
+                                  </p:childTnLst>
+                                </p:cTn>
+                              </p:par>
+                              <p:par>
+                                <p:cTn id="9" presetID="1" presetClass="emph" presetSubtype="2" fill="hold" grpId="0" nodeType="withEffect">
+                                  <p:stCondLst>
+                                    <p:cond delay="0"/>
+                                  </p:stCondLst>
+                                  <p:childTnLst>
+                                    <p:animClr clrSpc="rgb" dir="cw">
+                                      <p:cBhvr>
+                                        <p:cTn id="10" dur="500" fill="hold"/>
+                                        <p:tgtEl>
+                                          <p:spTgt spid="4">
+                                            <p:graphicEl>
+                                              <a:dgm id="{559AB984-4A72-44A9-91D5-115A9AD6AA49}"/>
+                                            </p:graphicEl>
+                                          </p:spTgt>
+                                        </p:tgtEl>
+                                        <p:attrNameLst>
+                                          <p:attrName>fillcolor</p:attrName>
+                                        </p:attrNameLst>
+                                      </p:cBhvr>
+                                      <p:to>
+                                        <a:schemeClr val="accent2"/>
+                                      </p:to>
+                                    </p:animClr>
+                                    <p:set>
+                                      <p:cBhvr>
+                                        <p:cTn id="11" dur="500" fill="hold"/>
+                                        <p:tgtEl>
+                                          <p:spTgt spid="4">
+                                            <p:graphicEl>
+                                              <a:dgm id="{559AB984-4A72-44A9-91D5-115A9AD6AA49}"/>
+                                            </p:graphicEl>
+                                          </p:spTgt>
+                                        </p:tgtEl>
+                                        <p:attrNameLst>
+                                          <p:attrName>fill.type</p:attrName>
+                                        </p:attrNameLst>
+                                      </p:cBhvr>
+                                      <p:to>
+                                        <p:strVal val="solid"/>
+                                      </p:to>
+                                    </p:set>
+                                    <p:set>
+                                      <p:cBhvr>
+                                        <p:cTn id="12" dur="500" fill="hold"/>
+                                        <p:tgtEl>
+                                          <p:spTgt spid="4">
+                                            <p:graphicEl>
+                                              <a:dgm id="{559AB984-4A72-44A9-91D5-115A9AD6AA49}"/>
+                                            </p:graphicEl>
+                                          </p:spTgt>
+                                        </p:tgtEl>
+                                        <p:attrNameLst>
+                                          <p:attrName>fill.on</p:attrName>
+                                        </p:attrNameLst>
+                                      </p:cBhvr>
+                                      <p:to>
+                                        <p:strVal val="true"/>
+                                      </p:to>
+                                    </p:set>
+                                  </p:childTnLst>
+                                </p:cTn>
+                              </p:par>
+                            </p:childTnLst>
+                          </p:cTn>
+                        </p:par>
+                      </p:childTnLst>
+                    </p:cTn>
+                  </p:par>
+                </p:childTnLst>
+              </p:cTn>
+              <p:prevCondLst>
+                <p:cond evt="onPrev" delay="0">
+                  <p:tgtEl>
+                    <p:sldTgt/>
+                  </p:tgtEl>
+                </p:cond>
+              </p:prevCondLst>
+              <p:nextCondLst>
+                <p:cond evt="onNext" delay="0">
+                  <p:tgtEl>
+                    <p:sldTgt/>
+                  </p:tgtEl>
+                </p:cond>
+              </p:nextCondLst>
+            </p:seq>
+          </p:childTnLst>
+        </p:cTn>
+      </p:par>
+    </p:tnLst>
+    <p:bldLst>
+      <p:bldGraphic spid="4" grpId="0" uiExpand="1">
+        <p:bldSub>
+          <a:bldDgm bld="one"/>
+        </p:bldSub>
+      </p:bldGraphic>
+    </p:bldLst>
+  </p:timing>
 </p:sld>
 </file>
 
-<file path=ppt/slides/slide11.xml><?xml version="1.0" encoding="utf-8"?>
+<file path=ppt/slides/slide12.xml><?xml version="1.0" encoding="utf-8"?>
 <p:sld xmlns:a="http://schemas.openxmlformats.org/drawingml/2006/main" xmlns:r="http://schemas.openxmlformats.org/officeDocument/2006/relationships" xmlns:p="http://schemas.openxmlformats.org/presentationml/2006/main">
   <p:cSld>
     <p:spTree>
@@ -27834,7 +28273,7 @@
 </p:sld>
 </file>
 
-<file path=ppt/slides/slide12.xml><?xml version="1.0" encoding="utf-8"?>
+<file path=ppt/slides/slide13.xml><?xml version="1.0" encoding="utf-8"?>
 <p:sld xmlns:a="http://schemas.openxmlformats.org/drawingml/2006/main" xmlns:r="http://schemas.openxmlformats.org/officeDocument/2006/relationships" xmlns:p="http://schemas.openxmlformats.org/presentationml/2006/main">
   <p:cSld>
     <p:spTree>
@@ -27917,7 +28356,7 @@
 </p:sld>
 </file>
 
-<file path=ppt/slides/slide13.xml><?xml version="1.0" encoding="utf-8"?>
+<file path=ppt/slides/slide14.xml><?xml version="1.0" encoding="utf-8"?>
 <p:sld xmlns:a="http://schemas.openxmlformats.org/drawingml/2006/main" xmlns:r="http://schemas.openxmlformats.org/officeDocument/2006/relationships" xmlns:p="http://schemas.openxmlformats.org/presentationml/2006/main">
   <p:cSld>
     <p:spTree>
@@ -28346,7 +28785,7 @@
 </p:sld>
 </file>
 
-<file path=ppt/slides/slide14.xml><?xml version="1.0" encoding="utf-8"?>
+<file path=ppt/slides/slide15.xml><?xml version="1.0" encoding="utf-8"?>
 <p:sld xmlns:a="http://schemas.openxmlformats.org/drawingml/2006/main" xmlns:r="http://schemas.openxmlformats.org/officeDocument/2006/relationships" xmlns:p="http://schemas.openxmlformats.org/presentationml/2006/main">
   <p:cSld>
     <p:spTree>
@@ -28594,7 +29033,7 @@
 </p:sld>
 </file>
 
-<file path=ppt/slides/slide15.xml><?xml version="1.0" encoding="utf-8"?>
+<file path=ppt/slides/slide16.xml><?xml version="1.0" encoding="utf-8"?>
 <p:sld xmlns:a="http://schemas.openxmlformats.org/drawingml/2006/main" xmlns:r="http://schemas.openxmlformats.org/officeDocument/2006/relationships" xmlns:p="http://schemas.openxmlformats.org/presentationml/2006/main">
   <p:cSld>
     <p:spTree>
@@ -28841,7 +29280,7 @@
 </p:sld>
 </file>
 
-<file path=ppt/slides/slide16.xml><?xml version="1.0" encoding="utf-8"?>
+<file path=ppt/slides/slide17.xml><?xml version="1.0" encoding="utf-8"?>
 <p:sld xmlns:a="http://schemas.openxmlformats.org/drawingml/2006/main" xmlns:r="http://schemas.openxmlformats.org/officeDocument/2006/relationships" xmlns:p="http://schemas.openxmlformats.org/presentationml/2006/main">
   <p:cSld>
     <p:spTree>
@@ -29395,7 +29834,7 @@
 </p:sld>
 </file>
 
-<file path=ppt/slides/slide17.xml><?xml version="1.0" encoding="utf-8"?>
+<file path=ppt/slides/slide18.xml><?xml version="1.0" encoding="utf-8"?>
 <p:sld xmlns:a="http://schemas.openxmlformats.org/drawingml/2006/main" xmlns:r="http://schemas.openxmlformats.org/officeDocument/2006/relationships" xmlns:p="http://schemas.openxmlformats.org/presentationml/2006/main">
   <p:cSld>
     <p:spTree>
@@ -29769,7 +30208,7 @@
 </p:sld>
 </file>
 
-<file path=ppt/slides/slide18.xml><?xml version="1.0" encoding="utf-8"?>
+<file path=ppt/slides/slide19.xml><?xml version="1.0" encoding="utf-8"?>
 <p:sld xmlns:a="http://schemas.openxmlformats.org/drawingml/2006/main" xmlns:r="http://schemas.openxmlformats.org/officeDocument/2006/relationships" xmlns:p="http://schemas.openxmlformats.org/presentationml/2006/main">
   <p:cSld>
     <p:spTree>
@@ -29859,7 +30298,708 @@
 </p:sld>
 </file>
 
-<file path=ppt/slides/slide19.xml><?xml version="1.0" encoding="utf-8"?>
+<file path=ppt/slides/slide2.xml><?xml version="1.0" encoding="utf-8"?>
+<p:sld xmlns:a="http://schemas.openxmlformats.org/drawingml/2006/main" xmlns:r="http://schemas.openxmlformats.org/officeDocument/2006/relationships" xmlns:p="http://schemas.openxmlformats.org/presentationml/2006/main">
+  <p:cSld>
+    <p:spTree>
+      <p:nvGrpSpPr>
+        <p:cNvPr id="1" name=""/>
+        <p:cNvGrpSpPr/>
+        <p:nvPr/>
+      </p:nvGrpSpPr>
+      <p:grpSpPr>
+        <a:xfrm>
+          <a:off x="0" y="0"/>
+          <a:ext cx="0" cy="0"/>
+          <a:chOff x="0" y="0"/>
+          <a:chExt cx="0" cy="0"/>
+        </a:xfrm>
+      </p:grpSpPr>
+      <p:sp>
+        <p:nvSpPr>
+          <p:cNvPr id="2" name="タイトル 1">
+            <a:extLst>
+              <a:ext uri="{FF2B5EF4-FFF2-40B4-BE49-F238E27FC236}">
+                <a16:creationId xmlns:a16="http://schemas.microsoft.com/office/drawing/2014/main" id="{93034DE1-6A3C-443B-ABA0-BAF5F6735550}"/>
+              </a:ext>
+            </a:extLst>
+          </p:cNvPr>
+          <p:cNvSpPr>
+            <a:spLocks noGrp="1"/>
+          </p:cNvSpPr>
+          <p:nvPr>
+            <p:ph type="title"/>
+          </p:nvPr>
+        </p:nvSpPr>
+        <p:spPr/>
+        <p:txBody>
+          <a:bodyPr/>
+          <a:lstStyle/>
+          <a:p>
+            <a:r>
+              <a:rPr kumimoji="1" lang="ja-JP" altLang="en-US" dirty="0"/>
+              <a:t>目次</a:t>
+            </a:r>
+          </a:p>
+        </p:txBody>
+      </p:sp>
+      <p:graphicFrame>
+        <p:nvGraphicFramePr>
+          <p:cNvPr id="4" name="コンテンツ プレースホルダー 3">
+            <a:extLst>
+              <a:ext uri="{FF2B5EF4-FFF2-40B4-BE49-F238E27FC236}">
+                <a16:creationId xmlns:a16="http://schemas.microsoft.com/office/drawing/2014/main" id="{20E72D63-35B3-498F-B296-95005C1D8C60}"/>
+              </a:ext>
+            </a:extLst>
+          </p:cNvPr>
+          <p:cNvGraphicFramePr>
+            <a:graphicFrameLocks noGrp="1"/>
+          </p:cNvGraphicFramePr>
+          <p:nvPr>
+            <p:ph idx="1"/>
+            <p:extLst>
+              <p:ext uri="{D42A27DB-BD31-4B8C-83A1-F6EECF244321}">
+                <p14:modId xmlns:p14="http://schemas.microsoft.com/office/powerpoint/2010/main" val="3397289255"/>
+              </p:ext>
+            </p:extLst>
+          </p:nvPr>
+        </p:nvGraphicFramePr>
+        <p:xfrm>
+          <a:off x="1733550" y="1907720"/>
+          <a:ext cx="5629275" cy="4351338"/>
+        </p:xfrm>
+        <a:graphic>
+          <a:graphicData uri="http://schemas.openxmlformats.org/drawingml/2006/diagram">
+            <dgm:relIds xmlns:dgm="http://schemas.openxmlformats.org/drawingml/2006/diagram" xmlns:r="http://schemas.openxmlformats.org/officeDocument/2006/relationships" r:dm="rId2" r:lo="rId3" r:qs="rId4" r:cs="rId5"/>
+          </a:graphicData>
+        </a:graphic>
+      </p:graphicFrame>
+    </p:spTree>
+    <p:extLst>
+      <p:ext uri="{BB962C8B-B14F-4D97-AF65-F5344CB8AC3E}">
+        <p14:creationId xmlns:p14="http://schemas.microsoft.com/office/powerpoint/2010/main" val="1607714432"/>
+      </p:ext>
+    </p:extLst>
+  </p:cSld>
+  <p:clrMapOvr>
+    <a:masterClrMapping/>
+  </p:clrMapOvr>
+  <p:timing>
+    <p:tnLst>
+      <p:par>
+        <p:cTn id="1" dur="indefinite" restart="never" nodeType="tmRoot">
+          <p:childTnLst>
+            <p:seq concurrent="1" nextAc="seek">
+              <p:cTn id="2" dur="indefinite" nodeType="mainSeq">
+                <p:childTnLst>
+                  <p:par>
+                    <p:cTn id="3" fill="hold">
+                      <p:stCondLst>
+                        <p:cond delay="indefinite"/>
+                      </p:stCondLst>
+                      <p:childTnLst>
+                        <p:par>
+                          <p:cTn id="4" fill="hold">
+                            <p:stCondLst>
+                              <p:cond delay="0"/>
+                            </p:stCondLst>
+                            <p:childTnLst>
+                              <p:par>
+                                <p:cTn id="5" presetID="42" presetClass="entr" presetSubtype="0" fill="hold" grpId="0" nodeType="clickEffect">
+                                  <p:stCondLst>
+                                    <p:cond delay="0"/>
+                                  </p:stCondLst>
+                                  <p:childTnLst>
+                                    <p:set>
+                                      <p:cBhvr>
+                                        <p:cTn id="6" dur="1" fill="hold">
+                                          <p:stCondLst>
+                                            <p:cond delay="0"/>
+                                          </p:stCondLst>
+                                        </p:cTn>
+                                        <p:tgtEl>
+                                          <p:spTgt spid="4">
+                                            <p:graphicEl>
+                                              <a:dgm id="{6C467DCC-01B2-48DA-BFBD-8E8D4FFB90B3}"/>
+                                            </p:graphicEl>
+                                          </p:spTgt>
+                                        </p:tgtEl>
+                                        <p:attrNameLst>
+                                          <p:attrName>style.visibility</p:attrName>
+                                        </p:attrNameLst>
+                                      </p:cBhvr>
+                                      <p:to>
+                                        <p:strVal val="visible"/>
+                                      </p:to>
+                                    </p:set>
+                                    <p:animEffect transition="in" filter="fade">
+                                      <p:cBhvr>
+                                        <p:cTn id="7" dur="250"/>
+                                        <p:tgtEl>
+                                          <p:spTgt spid="4">
+                                            <p:graphicEl>
+                                              <a:dgm id="{6C467DCC-01B2-48DA-BFBD-8E8D4FFB90B3}"/>
+                                            </p:graphicEl>
+                                          </p:spTgt>
+                                        </p:tgtEl>
+                                      </p:cBhvr>
+                                    </p:animEffect>
+                                    <p:anim calcmode="lin" valueType="num">
+                                      <p:cBhvr>
+                                        <p:cTn id="8" dur="250" fill="hold"/>
+                                        <p:tgtEl>
+                                          <p:spTgt spid="4">
+                                            <p:graphicEl>
+                                              <a:dgm id="{6C467DCC-01B2-48DA-BFBD-8E8D4FFB90B3}"/>
+                                            </p:graphicEl>
+                                          </p:spTgt>
+                                        </p:tgtEl>
+                                        <p:attrNameLst>
+                                          <p:attrName>ppt_x</p:attrName>
+                                        </p:attrNameLst>
+                                      </p:cBhvr>
+                                      <p:tavLst>
+                                        <p:tav tm="0">
+                                          <p:val>
+                                            <p:strVal val="#ppt_x"/>
+                                          </p:val>
+                                        </p:tav>
+                                        <p:tav tm="100000">
+                                          <p:val>
+                                            <p:strVal val="#ppt_x"/>
+                                          </p:val>
+                                        </p:tav>
+                                      </p:tavLst>
+                                    </p:anim>
+                                    <p:anim calcmode="lin" valueType="num">
+                                      <p:cBhvr>
+                                        <p:cTn id="9" dur="250" fill="hold"/>
+                                        <p:tgtEl>
+                                          <p:spTgt spid="4">
+                                            <p:graphicEl>
+                                              <a:dgm id="{6C467DCC-01B2-48DA-BFBD-8E8D4FFB90B3}"/>
+                                            </p:graphicEl>
+                                          </p:spTgt>
+                                        </p:tgtEl>
+                                        <p:attrNameLst>
+                                          <p:attrName>ppt_y</p:attrName>
+                                        </p:attrNameLst>
+                                      </p:cBhvr>
+                                      <p:tavLst>
+                                        <p:tav tm="0">
+                                          <p:val>
+                                            <p:strVal val="#ppt_y+.1"/>
+                                          </p:val>
+                                        </p:tav>
+                                        <p:tav tm="100000">
+                                          <p:val>
+                                            <p:strVal val="#ppt_y"/>
+                                          </p:val>
+                                        </p:tav>
+                                      </p:tavLst>
+                                    </p:anim>
+                                  </p:childTnLst>
+                                </p:cTn>
+                              </p:par>
+                            </p:childTnLst>
+                          </p:cTn>
+                        </p:par>
+                      </p:childTnLst>
+                    </p:cTn>
+                  </p:par>
+                  <p:par>
+                    <p:cTn id="10" fill="hold">
+                      <p:stCondLst>
+                        <p:cond delay="indefinite"/>
+                      </p:stCondLst>
+                      <p:childTnLst>
+                        <p:par>
+                          <p:cTn id="11" fill="hold">
+                            <p:stCondLst>
+                              <p:cond delay="0"/>
+                            </p:stCondLst>
+                            <p:childTnLst>
+                              <p:par>
+                                <p:cTn id="12" presetID="42" presetClass="entr" presetSubtype="0" fill="hold" grpId="0" nodeType="clickEffect">
+                                  <p:stCondLst>
+                                    <p:cond delay="0"/>
+                                  </p:stCondLst>
+                                  <p:childTnLst>
+                                    <p:set>
+                                      <p:cBhvr>
+                                        <p:cTn id="13" dur="1" fill="hold">
+                                          <p:stCondLst>
+                                            <p:cond delay="0"/>
+                                          </p:stCondLst>
+                                        </p:cTn>
+                                        <p:tgtEl>
+                                          <p:spTgt spid="4">
+                                            <p:graphicEl>
+                                              <a:dgm id="{8F769B35-9BBE-47BC-A06F-8CF90A01FF72}"/>
+                                            </p:graphicEl>
+                                          </p:spTgt>
+                                        </p:tgtEl>
+                                        <p:attrNameLst>
+                                          <p:attrName>style.visibility</p:attrName>
+                                        </p:attrNameLst>
+                                      </p:cBhvr>
+                                      <p:to>
+                                        <p:strVal val="visible"/>
+                                      </p:to>
+                                    </p:set>
+                                    <p:animEffect transition="in" filter="fade">
+                                      <p:cBhvr>
+                                        <p:cTn id="14" dur="250"/>
+                                        <p:tgtEl>
+                                          <p:spTgt spid="4">
+                                            <p:graphicEl>
+                                              <a:dgm id="{8F769B35-9BBE-47BC-A06F-8CF90A01FF72}"/>
+                                            </p:graphicEl>
+                                          </p:spTgt>
+                                        </p:tgtEl>
+                                      </p:cBhvr>
+                                    </p:animEffect>
+                                    <p:anim calcmode="lin" valueType="num">
+                                      <p:cBhvr>
+                                        <p:cTn id="15" dur="250" fill="hold"/>
+                                        <p:tgtEl>
+                                          <p:spTgt spid="4">
+                                            <p:graphicEl>
+                                              <a:dgm id="{8F769B35-9BBE-47BC-A06F-8CF90A01FF72}"/>
+                                            </p:graphicEl>
+                                          </p:spTgt>
+                                        </p:tgtEl>
+                                        <p:attrNameLst>
+                                          <p:attrName>ppt_x</p:attrName>
+                                        </p:attrNameLst>
+                                      </p:cBhvr>
+                                      <p:tavLst>
+                                        <p:tav tm="0">
+                                          <p:val>
+                                            <p:strVal val="#ppt_x"/>
+                                          </p:val>
+                                        </p:tav>
+                                        <p:tav tm="100000">
+                                          <p:val>
+                                            <p:strVal val="#ppt_x"/>
+                                          </p:val>
+                                        </p:tav>
+                                      </p:tavLst>
+                                    </p:anim>
+                                    <p:anim calcmode="lin" valueType="num">
+                                      <p:cBhvr>
+                                        <p:cTn id="16" dur="250" fill="hold"/>
+                                        <p:tgtEl>
+                                          <p:spTgt spid="4">
+                                            <p:graphicEl>
+                                              <a:dgm id="{8F769B35-9BBE-47BC-A06F-8CF90A01FF72}"/>
+                                            </p:graphicEl>
+                                          </p:spTgt>
+                                        </p:tgtEl>
+                                        <p:attrNameLst>
+                                          <p:attrName>ppt_y</p:attrName>
+                                        </p:attrNameLst>
+                                      </p:cBhvr>
+                                      <p:tavLst>
+                                        <p:tav tm="0">
+                                          <p:val>
+                                            <p:strVal val="#ppt_y+.1"/>
+                                          </p:val>
+                                        </p:tav>
+                                        <p:tav tm="100000">
+                                          <p:val>
+                                            <p:strVal val="#ppt_y"/>
+                                          </p:val>
+                                        </p:tav>
+                                      </p:tavLst>
+                                    </p:anim>
+                                  </p:childTnLst>
+                                </p:cTn>
+                              </p:par>
+                            </p:childTnLst>
+                          </p:cTn>
+                        </p:par>
+                      </p:childTnLst>
+                    </p:cTn>
+                  </p:par>
+                  <p:par>
+                    <p:cTn id="17" fill="hold">
+                      <p:stCondLst>
+                        <p:cond delay="indefinite"/>
+                      </p:stCondLst>
+                      <p:childTnLst>
+                        <p:par>
+                          <p:cTn id="18" fill="hold">
+                            <p:stCondLst>
+                              <p:cond delay="0"/>
+                            </p:stCondLst>
+                            <p:childTnLst>
+                              <p:par>
+                                <p:cTn id="19" presetID="42" presetClass="entr" presetSubtype="0" fill="hold" grpId="0" nodeType="clickEffect">
+                                  <p:stCondLst>
+                                    <p:cond delay="0"/>
+                                  </p:stCondLst>
+                                  <p:childTnLst>
+                                    <p:set>
+                                      <p:cBhvr>
+                                        <p:cTn id="20" dur="1" fill="hold">
+                                          <p:stCondLst>
+                                            <p:cond delay="0"/>
+                                          </p:stCondLst>
+                                        </p:cTn>
+                                        <p:tgtEl>
+                                          <p:spTgt spid="4">
+                                            <p:graphicEl>
+                                              <a:dgm id="{CA933E5A-7ABA-4299-A21F-D3A5ABCBBA6E}"/>
+                                            </p:graphicEl>
+                                          </p:spTgt>
+                                        </p:tgtEl>
+                                        <p:attrNameLst>
+                                          <p:attrName>style.visibility</p:attrName>
+                                        </p:attrNameLst>
+                                      </p:cBhvr>
+                                      <p:to>
+                                        <p:strVal val="visible"/>
+                                      </p:to>
+                                    </p:set>
+                                    <p:animEffect transition="in" filter="fade">
+                                      <p:cBhvr>
+                                        <p:cTn id="21" dur="250"/>
+                                        <p:tgtEl>
+                                          <p:spTgt spid="4">
+                                            <p:graphicEl>
+                                              <a:dgm id="{CA933E5A-7ABA-4299-A21F-D3A5ABCBBA6E}"/>
+                                            </p:graphicEl>
+                                          </p:spTgt>
+                                        </p:tgtEl>
+                                      </p:cBhvr>
+                                    </p:animEffect>
+                                    <p:anim calcmode="lin" valueType="num">
+                                      <p:cBhvr>
+                                        <p:cTn id="22" dur="250" fill="hold"/>
+                                        <p:tgtEl>
+                                          <p:spTgt spid="4">
+                                            <p:graphicEl>
+                                              <a:dgm id="{CA933E5A-7ABA-4299-A21F-D3A5ABCBBA6E}"/>
+                                            </p:graphicEl>
+                                          </p:spTgt>
+                                        </p:tgtEl>
+                                        <p:attrNameLst>
+                                          <p:attrName>ppt_x</p:attrName>
+                                        </p:attrNameLst>
+                                      </p:cBhvr>
+                                      <p:tavLst>
+                                        <p:tav tm="0">
+                                          <p:val>
+                                            <p:strVal val="#ppt_x"/>
+                                          </p:val>
+                                        </p:tav>
+                                        <p:tav tm="100000">
+                                          <p:val>
+                                            <p:strVal val="#ppt_x"/>
+                                          </p:val>
+                                        </p:tav>
+                                      </p:tavLst>
+                                    </p:anim>
+                                    <p:anim calcmode="lin" valueType="num">
+                                      <p:cBhvr>
+                                        <p:cTn id="23" dur="250" fill="hold"/>
+                                        <p:tgtEl>
+                                          <p:spTgt spid="4">
+                                            <p:graphicEl>
+                                              <a:dgm id="{CA933E5A-7ABA-4299-A21F-D3A5ABCBBA6E}"/>
+                                            </p:graphicEl>
+                                          </p:spTgt>
+                                        </p:tgtEl>
+                                        <p:attrNameLst>
+                                          <p:attrName>ppt_y</p:attrName>
+                                        </p:attrNameLst>
+                                      </p:cBhvr>
+                                      <p:tavLst>
+                                        <p:tav tm="0">
+                                          <p:val>
+                                            <p:strVal val="#ppt_y+.1"/>
+                                          </p:val>
+                                        </p:tav>
+                                        <p:tav tm="100000">
+                                          <p:val>
+                                            <p:strVal val="#ppt_y"/>
+                                          </p:val>
+                                        </p:tav>
+                                      </p:tavLst>
+                                    </p:anim>
+                                  </p:childTnLst>
+                                </p:cTn>
+                              </p:par>
+                            </p:childTnLst>
+                          </p:cTn>
+                        </p:par>
+                      </p:childTnLst>
+                    </p:cTn>
+                  </p:par>
+                  <p:par>
+                    <p:cTn id="24" fill="hold">
+                      <p:stCondLst>
+                        <p:cond delay="indefinite"/>
+                      </p:stCondLst>
+                      <p:childTnLst>
+                        <p:par>
+                          <p:cTn id="25" fill="hold">
+                            <p:stCondLst>
+                              <p:cond delay="0"/>
+                            </p:stCondLst>
+                            <p:childTnLst>
+                              <p:par>
+                                <p:cTn id="26" presetID="42" presetClass="entr" presetSubtype="0" fill="hold" grpId="0" nodeType="clickEffect">
+                                  <p:stCondLst>
+                                    <p:cond delay="0"/>
+                                  </p:stCondLst>
+                                  <p:childTnLst>
+                                    <p:set>
+                                      <p:cBhvr>
+                                        <p:cTn id="27" dur="1" fill="hold">
+                                          <p:stCondLst>
+                                            <p:cond delay="0"/>
+                                          </p:stCondLst>
+                                        </p:cTn>
+                                        <p:tgtEl>
+                                          <p:spTgt spid="4">
+                                            <p:graphicEl>
+                                              <a:dgm id="{1FBA3C83-631E-48BC-AD60-84F86AEDE2A6}"/>
+                                            </p:graphicEl>
+                                          </p:spTgt>
+                                        </p:tgtEl>
+                                        <p:attrNameLst>
+                                          <p:attrName>style.visibility</p:attrName>
+                                        </p:attrNameLst>
+                                      </p:cBhvr>
+                                      <p:to>
+                                        <p:strVal val="visible"/>
+                                      </p:to>
+                                    </p:set>
+                                    <p:animEffect transition="in" filter="fade">
+                                      <p:cBhvr>
+                                        <p:cTn id="28" dur="250"/>
+                                        <p:tgtEl>
+                                          <p:spTgt spid="4">
+                                            <p:graphicEl>
+                                              <a:dgm id="{1FBA3C83-631E-48BC-AD60-84F86AEDE2A6}"/>
+                                            </p:graphicEl>
+                                          </p:spTgt>
+                                        </p:tgtEl>
+                                      </p:cBhvr>
+                                    </p:animEffect>
+                                    <p:anim calcmode="lin" valueType="num">
+                                      <p:cBhvr>
+                                        <p:cTn id="29" dur="250" fill="hold"/>
+                                        <p:tgtEl>
+                                          <p:spTgt spid="4">
+                                            <p:graphicEl>
+                                              <a:dgm id="{1FBA3C83-631E-48BC-AD60-84F86AEDE2A6}"/>
+                                            </p:graphicEl>
+                                          </p:spTgt>
+                                        </p:tgtEl>
+                                        <p:attrNameLst>
+                                          <p:attrName>ppt_x</p:attrName>
+                                        </p:attrNameLst>
+                                      </p:cBhvr>
+                                      <p:tavLst>
+                                        <p:tav tm="0">
+                                          <p:val>
+                                            <p:strVal val="#ppt_x"/>
+                                          </p:val>
+                                        </p:tav>
+                                        <p:tav tm="100000">
+                                          <p:val>
+                                            <p:strVal val="#ppt_x"/>
+                                          </p:val>
+                                        </p:tav>
+                                      </p:tavLst>
+                                    </p:anim>
+                                    <p:anim calcmode="lin" valueType="num">
+                                      <p:cBhvr>
+                                        <p:cTn id="30" dur="250" fill="hold"/>
+                                        <p:tgtEl>
+                                          <p:spTgt spid="4">
+                                            <p:graphicEl>
+                                              <a:dgm id="{1FBA3C83-631E-48BC-AD60-84F86AEDE2A6}"/>
+                                            </p:graphicEl>
+                                          </p:spTgt>
+                                        </p:tgtEl>
+                                        <p:attrNameLst>
+                                          <p:attrName>ppt_y</p:attrName>
+                                        </p:attrNameLst>
+                                      </p:cBhvr>
+                                      <p:tavLst>
+                                        <p:tav tm="0">
+                                          <p:val>
+                                            <p:strVal val="#ppt_y+.1"/>
+                                          </p:val>
+                                        </p:tav>
+                                        <p:tav tm="100000">
+                                          <p:val>
+                                            <p:strVal val="#ppt_y"/>
+                                          </p:val>
+                                        </p:tav>
+                                      </p:tavLst>
+                                    </p:anim>
+                                  </p:childTnLst>
+                                </p:cTn>
+                              </p:par>
+                            </p:childTnLst>
+                          </p:cTn>
+                        </p:par>
+                      </p:childTnLst>
+                    </p:cTn>
+                  </p:par>
+                  <p:par>
+                    <p:cTn id="31" fill="hold">
+                      <p:stCondLst>
+                        <p:cond delay="indefinite"/>
+                      </p:stCondLst>
+                      <p:childTnLst>
+                        <p:par>
+                          <p:cTn id="32" fill="hold">
+                            <p:stCondLst>
+                              <p:cond delay="0"/>
+                            </p:stCondLst>
+                            <p:childTnLst>
+                              <p:par>
+                                <p:cTn id="33" presetID="42" presetClass="entr" presetSubtype="0" fill="hold" grpId="0" nodeType="clickEffect">
+                                  <p:stCondLst>
+                                    <p:cond delay="0"/>
+                                  </p:stCondLst>
+                                  <p:childTnLst>
+                                    <p:set>
+                                      <p:cBhvr>
+                                        <p:cTn id="34" dur="1" fill="hold">
+                                          <p:stCondLst>
+                                            <p:cond delay="0"/>
+                                          </p:stCondLst>
+                                        </p:cTn>
+                                        <p:tgtEl>
+                                          <p:spTgt spid="4">
+                                            <p:graphicEl>
+                                              <a:dgm id="{F2644AB7-F804-4238-8D78-B65EC23EDC62}"/>
+                                            </p:graphicEl>
+                                          </p:spTgt>
+                                        </p:tgtEl>
+                                        <p:attrNameLst>
+                                          <p:attrName>style.visibility</p:attrName>
+                                        </p:attrNameLst>
+                                      </p:cBhvr>
+                                      <p:to>
+                                        <p:strVal val="visible"/>
+                                      </p:to>
+                                    </p:set>
+                                    <p:animEffect transition="in" filter="fade">
+                                      <p:cBhvr>
+                                        <p:cTn id="35" dur="250"/>
+                                        <p:tgtEl>
+                                          <p:spTgt spid="4">
+                                            <p:graphicEl>
+                                              <a:dgm id="{F2644AB7-F804-4238-8D78-B65EC23EDC62}"/>
+                                            </p:graphicEl>
+                                          </p:spTgt>
+                                        </p:tgtEl>
+                                      </p:cBhvr>
+                                    </p:animEffect>
+                                    <p:anim calcmode="lin" valueType="num">
+                                      <p:cBhvr>
+                                        <p:cTn id="36" dur="250" fill="hold"/>
+                                        <p:tgtEl>
+                                          <p:spTgt spid="4">
+                                            <p:graphicEl>
+                                              <a:dgm id="{F2644AB7-F804-4238-8D78-B65EC23EDC62}"/>
+                                            </p:graphicEl>
+                                          </p:spTgt>
+                                        </p:tgtEl>
+                                        <p:attrNameLst>
+                                          <p:attrName>ppt_x</p:attrName>
+                                        </p:attrNameLst>
+                                      </p:cBhvr>
+                                      <p:tavLst>
+                                        <p:tav tm="0">
+                                          <p:val>
+                                            <p:strVal val="#ppt_x"/>
+                                          </p:val>
+                                        </p:tav>
+                                        <p:tav tm="100000">
+                                          <p:val>
+                                            <p:strVal val="#ppt_x"/>
+                                          </p:val>
+                                        </p:tav>
+                                      </p:tavLst>
+                                    </p:anim>
+                                    <p:anim calcmode="lin" valueType="num">
+                                      <p:cBhvr>
+                                        <p:cTn id="37" dur="250" fill="hold"/>
+                                        <p:tgtEl>
+                                          <p:spTgt spid="4">
+                                            <p:graphicEl>
+                                              <a:dgm id="{F2644AB7-F804-4238-8D78-B65EC23EDC62}"/>
+                                            </p:graphicEl>
+                                          </p:spTgt>
+                                        </p:tgtEl>
+                                        <p:attrNameLst>
+                                          <p:attrName>ppt_y</p:attrName>
+                                        </p:attrNameLst>
+                                      </p:cBhvr>
+                                      <p:tavLst>
+                                        <p:tav tm="0">
+                                          <p:val>
+                                            <p:strVal val="#ppt_y+.1"/>
+                                          </p:val>
+                                        </p:tav>
+                                        <p:tav tm="100000">
+                                          <p:val>
+                                            <p:strVal val="#ppt_y"/>
+                                          </p:val>
+                                        </p:tav>
+                                      </p:tavLst>
+                                    </p:anim>
+                                  </p:childTnLst>
+                                </p:cTn>
+                              </p:par>
+                            </p:childTnLst>
+                          </p:cTn>
+                        </p:par>
+                      </p:childTnLst>
+                    </p:cTn>
+                  </p:par>
+                </p:childTnLst>
+              </p:cTn>
+              <p:prevCondLst>
+                <p:cond evt="onPrev" delay="0">
+                  <p:tgtEl>
+                    <p:sldTgt/>
+                  </p:tgtEl>
+                </p:cond>
+              </p:prevCondLst>
+              <p:nextCondLst>
+                <p:cond evt="onNext" delay="0">
+                  <p:tgtEl>
+                    <p:sldTgt/>
+                  </p:tgtEl>
+                </p:cond>
+              </p:nextCondLst>
+            </p:seq>
+          </p:childTnLst>
+        </p:cTn>
+      </p:par>
+    </p:tnLst>
+    <p:bldLst>
+      <p:bldGraphic spid="4" grpId="0" uiExpand="1">
+        <p:bldSub>
+          <a:bldDgm bld="one"/>
+        </p:bldSub>
+      </p:bldGraphic>
+    </p:bldLst>
+  </p:timing>
+</p:sld>
+</file>
+
+<file path=ppt/slides/slide20.xml><?xml version="1.0" encoding="utf-8"?>
 <p:sld xmlns:a="http://schemas.openxmlformats.org/drawingml/2006/main" xmlns:r="http://schemas.openxmlformats.org/officeDocument/2006/relationships" xmlns:p="http://schemas.openxmlformats.org/presentationml/2006/main">
   <p:cSld>
     <p:spTree>
@@ -30107,96 +31247,7 @@
 </p:sld>
 </file>
 
-<file path=ppt/slides/slide2.xml><?xml version="1.0" encoding="utf-8"?>
-<p:sld xmlns:a="http://schemas.openxmlformats.org/drawingml/2006/main" xmlns:r="http://schemas.openxmlformats.org/officeDocument/2006/relationships" xmlns:p="http://schemas.openxmlformats.org/presentationml/2006/main">
-  <p:cSld>
-    <p:spTree>
-      <p:nvGrpSpPr>
-        <p:cNvPr id="1" name=""/>
-        <p:cNvGrpSpPr/>
-        <p:nvPr/>
-      </p:nvGrpSpPr>
-      <p:grpSpPr>
-        <a:xfrm>
-          <a:off x="0" y="0"/>
-          <a:ext cx="0" cy="0"/>
-          <a:chOff x="0" y="0"/>
-          <a:chExt cx="0" cy="0"/>
-        </a:xfrm>
-      </p:grpSpPr>
-      <p:sp>
-        <p:nvSpPr>
-          <p:cNvPr id="2" name="タイトル 1">
-            <a:extLst>
-              <a:ext uri="{FF2B5EF4-FFF2-40B4-BE49-F238E27FC236}">
-                <a16:creationId xmlns:a16="http://schemas.microsoft.com/office/drawing/2014/main" id="{93034DE1-6A3C-443B-ABA0-BAF5F6735550}"/>
-              </a:ext>
-            </a:extLst>
-          </p:cNvPr>
-          <p:cNvSpPr>
-            <a:spLocks noGrp="1"/>
-          </p:cNvSpPr>
-          <p:nvPr>
-            <p:ph type="title"/>
-          </p:nvPr>
-        </p:nvSpPr>
-        <p:spPr/>
-        <p:txBody>
-          <a:bodyPr/>
-          <a:lstStyle/>
-          <a:p>
-            <a:r>
-              <a:rPr kumimoji="1" lang="ja-JP" altLang="en-US" dirty="0"/>
-              <a:t>目次</a:t>
-            </a:r>
-          </a:p>
-        </p:txBody>
-      </p:sp>
-      <p:graphicFrame>
-        <p:nvGraphicFramePr>
-          <p:cNvPr id="4" name="コンテンツ プレースホルダー 3">
-            <a:extLst>
-              <a:ext uri="{FF2B5EF4-FFF2-40B4-BE49-F238E27FC236}">
-                <a16:creationId xmlns:a16="http://schemas.microsoft.com/office/drawing/2014/main" id="{20E72D63-35B3-498F-B296-95005C1D8C60}"/>
-              </a:ext>
-            </a:extLst>
-          </p:cNvPr>
-          <p:cNvGraphicFramePr>
-            <a:graphicFrameLocks noGrp="1"/>
-          </p:cNvGraphicFramePr>
-          <p:nvPr>
-            <p:ph idx="1"/>
-            <p:extLst>
-              <p:ext uri="{D42A27DB-BD31-4B8C-83A1-F6EECF244321}">
-                <p14:modId xmlns:p14="http://schemas.microsoft.com/office/powerpoint/2010/main" val="2354881920"/>
-              </p:ext>
-            </p:extLst>
-          </p:nvPr>
-        </p:nvGraphicFramePr>
-        <p:xfrm>
-          <a:off x="1733550" y="1907720"/>
-          <a:ext cx="5629275" cy="4351338"/>
-        </p:xfrm>
-        <a:graphic>
-          <a:graphicData uri="http://schemas.openxmlformats.org/drawingml/2006/diagram">
-            <dgm:relIds xmlns:dgm="http://schemas.openxmlformats.org/drawingml/2006/diagram" xmlns:r="http://schemas.openxmlformats.org/officeDocument/2006/relationships" r:dm="rId2" r:lo="rId3" r:qs="rId4" r:cs="rId5"/>
-          </a:graphicData>
-        </a:graphic>
-      </p:graphicFrame>
-    </p:spTree>
-    <p:extLst>
-      <p:ext uri="{BB962C8B-B14F-4D97-AF65-F5344CB8AC3E}">
-        <p14:creationId xmlns:p14="http://schemas.microsoft.com/office/powerpoint/2010/main" val="1607714432"/>
-      </p:ext>
-    </p:extLst>
-  </p:cSld>
-  <p:clrMapOvr>
-    <a:masterClrMapping/>
-  </p:clrMapOvr>
-</p:sld>
-</file>
-
-<file path=ppt/slides/slide20.xml><?xml version="1.0" encoding="utf-8"?>
+<file path=ppt/slides/slide21.xml><?xml version="1.0" encoding="utf-8"?>
 <p:sld xmlns:a="http://schemas.openxmlformats.org/drawingml/2006/main" xmlns:r="http://schemas.openxmlformats.org/officeDocument/2006/relationships" xmlns:p="http://schemas.openxmlformats.org/presentationml/2006/main">
   <p:cSld>
     <p:spTree>
@@ -30294,7 +31345,7 @@
 </p:sld>
 </file>
 
-<file path=ppt/slides/slide21.xml><?xml version="1.0" encoding="utf-8"?>
+<file path=ppt/slides/slide22.xml><?xml version="1.0" encoding="utf-8"?>
 <p:sld xmlns:a="http://schemas.openxmlformats.org/drawingml/2006/main" xmlns:r="http://schemas.openxmlformats.org/officeDocument/2006/relationships" xmlns:p="http://schemas.openxmlformats.org/presentationml/2006/main">
   <p:cSld>
     <p:spTree>
@@ -30383,7 +31434,7 @@
 </p:sld>
 </file>
 
-<file path=ppt/slides/slide22.xml><?xml version="1.0" encoding="utf-8"?>
+<file path=ppt/slides/slide23.xml><?xml version="1.0" encoding="utf-8"?>
 <p:sld xmlns:a="http://schemas.openxmlformats.org/drawingml/2006/main" xmlns:r="http://schemas.openxmlformats.org/officeDocument/2006/relationships" xmlns:p="http://schemas.openxmlformats.org/presentationml/2006/main">
   <p:cSld>
     <p:spTree>
@@ -30633,7 +31684,7 @@
                             </p:stCondLst>
                             <p:childTnLst>
                               <p:par>
-                                <p:cTn id="5" presetID="1" presetClass="entr" presetSubtype="0" fill="hold" grpId="0" nodeType="clickEffect">
+                                <p:cTn id="5" presetID="42" presetClass="entr" presetSubtype="0" fill="hold" grpId="0" nodeType="clickEffect">
                                   <p:stCondLst>
                                     <p:cond delay="0"/>
                                   </p:stCondLst>
@@ -30646,7 +31697,11 @@
                                           </p:stCondLst>
                                         </p:cTn>
                                         <p:tgtEl>
-                                          <p:spTgt spid="8"/>
+                                          <p:spTgt spid="8">
+                                            <p:graphicEl>
+                                              <a:dgm id="{CE59E819-7E0F-4A28-8A76-5647B10631CD}"/>
+                                            </p:graphicEl>
+                                          </p:spTgt>
                                         </p:tgtEl>
                                         <p:attrNameLst>
                                           <p:attrName>style.visibility</p:attrName>
@@ -30656,6 +31711,446 @@
                                         <p:strVal val="visible"/>
                                       </p:to>
                                     </p:set>
+                                    <p:animEffect transition="in" filter="fade">
+                                      <p:cBhvr>
+                                        <p:cTn id="7" dur="250"/>
+                                        <p:tgtEl>
+                                          <p:spTgt spid="8">
+                                            <p:graphicEl>
+                                              <a:dgm id="{CE59E819-7E0F-4A28-8A76-5647B10631CD}"/>
+                                            </p:graphicEl>
+                                          </p:spTgt>
+                                        </p:tgtEl>
+                                      </p:cBhvr>
+                                    </p:animEffect>
+                                    <p:anim calcmode="lin" valueType="num">
+                                      <p:cBhvr>
+                                        <p:cTn id="8" dur="250" fill="hold"/>
+                                        <p:tgtEl>
+                                          <p:spTgt spid="8">
+                                            <p:graphicEl>
+                                              <a:dgm id="{CE59E819-7E0F-4A28-8A76-5647B10631CD}"/>
+                                            </p:graphicEl>
+                                          </p:spTgt>
+                                        </p:tgtEl>
+                                        <p:attrNameLst>
+                                          <p:attrName>ppt_x</p:attrName>
+                                        </p:attrNameLst>
+                                      </p:cBhvr>
+                                      <p:tavLst>
+                                        <p:tav tm="0">
+                                          <p:val>
+                                            <p:strVal val="#ppt_x"/>
+                                          </p:val>
+                                        </p:tav>
+                                        <p:tav tm="100000">
+                                          <p:val>
+                                            <p:strVal val="#ppt_x"/>
+                                          </p:val>
+                                        </p:tav>
+                                      </p:tavLst>
+                                    </p:anim>
+                                    <p:anim calcmode="lin" valueType="num">
+                                      <p:cBhvr>
+                                        <p:cTn id="9" dur="250" fill="hold"/>
+                                        <p:tgtEl>
+                                          <p:spTgt spid="8">
+                                            <p:graphicEl>
+                                              <a:dgm id="{CE59E819-7E0F-4A28-8A76-5647B10631CD}"/>
+                                            </p:graphicEl>
+                                          </p:spTgt>
+                                        </p:tgtEl>
+                                        <p:attrNameLst>
+                                          <p:attrName>ppt_y</p:attrName>
+                                        </p:attrNameLst>
+                                      </p:cBhvr>
+                                      <p:tavLst>
+                                        <p:tav tm="0">
+                                          <p:val>
+                                            <p:strVal val="#ppt_y+.1"/>
+                                          </p:val>
+                                        </p:tav>
+                                        <p:tav tm="100000">
+                                          <p:val>
+                                            <p:strVal val="#ppt_y"/>
+                                          </p:val>
+                                        </p:tav>
+                                      </p:tavLst>
+                                    </p:anim>
+                                  </p:childTnLst>
+                                </p:cTn>
+                              </p:par>
+                            </p:childTnLst>
+                          </p:cTn>
+                        </p:par>
+                      </p:childTnLst>
+                    </p:cTn>
+                  </p:par>
+                  <p:par>
+                    <p:cTn id="10" fill="hold">
+                      <p:stCondLst>
+                        <p:cond delay="indefinite"/>
+                      </p:stCondLst>
+                      <p:childTnLst>
+                        <p:par>
+                          <p:cTn id="11" fill="hold">
+                            <p:stCondLst>
+                              <p:cond delay="0"/>
+                            </p:stCondLst>
+                            <p:childTnLst>
+                              <p:par>
+                                <p:cTn id="12" presetID="42" presetClass="entr" presetSubtype="0" fill="hold" grpId="0" nodeType="clickEffect">
+                                  <p:stCondLst>
+                                    <p:cond delay="0"/>
+                                  </p:stCondLst>
+                                  <p:childTnLst>
+                                    <p:set>
+                                      <p:cBhvr>
+                                        <p:cTn id="13" dur="1" fill="hold">
+                                          <p:stCondLst>
+                                            <p:cond delay="0"/>
+                                          </p:stCondLst>
+                                        </p:cTn>
+                                        <p:tgtEl>
+                                          <p:spTgt spid="8">
+                                            <p:graphicEl>
+                                              <a:dgm id="{EF0B90D2-F7FE-438F-AD66-E7EEA5E53D9A}"/>
+                                            </p:graphicEl>
+                                          </p:spTgt>
+                                        </p:tgtEl>
+                                        <p:attrNameLst>
+                                          <p:attrName>style.visibility</p:attrName>
+                                        </p:attrNameLst>
+                                      </p:cBhvr>
+                                      <p:to>
+                                        <p:strVal val="visible"/>
+                                      </p:to>
+                                    </p:set>
+                                    <p:animEffect transition="in" filter="fade">
+                                      <p:cBhvr>
+                                        <p:cTn id="14" dur="250"/>
+                                        <p:tgtEl>
+                                          <p:spTgt spid="8">
+                                            <p:graphicEl>
+                                              <a:dgm id="{EF0B90D2-F7FE-438F-AD66-E7EEA5E53D9A}"/>
+                                            </p:graphicEl>
+                                          </p:spTgt>
+                                        </p:tgtEl>
+                                      </p:cBhvr>
+                                    </p:animEffect>
+                                    <p:anim calcmode="lin" valueType="num">
+                                      <p:cBhvr>
+                                        <p:cTn id="15" dur="250" fill="hold"/>
+                                        <p:tgtEl>
+                                          <p:spTgt spid="8">
+                                            <p:graphicEl>
+                                              <a:dgm id="{EF0B90D2-F7FE-438F-AD66-E7EEA5E53D9A}"/>
+                                            </p:graphicEl>
+                                          </p:spTgt>
+                                        </p:tgtEl>
+                                        <p:attrNameLst>
+                                          <p:attrName>ppt_x</p:attrName>
+                                        </p:attrNameLst>
+                                      </p:cBhvr>
+                                      <p:tavLst>
+                                        <p:tav tm="0">
+                                          <p:val>
+                                            <p:strVal val="#ppt_x"/>
+                                          </p:val>
+                                        </p:tav>
+                                        <p:tav tm="100000">
+                                          <p:val>
+                                            <p:strVal val="#ppt_x"/>
+                                          </p:val>
+                                        </p:tav>
+                                      </p:tavLst>
+                                    </p:anim>
+                                    <p:anim calcmode="lin" valueType="num">
+                                      <p:cBhvr>
+                                        <p:cTn id="16" dur="250" fill="hold"/>
+                                        <p:tgtEl>
+                                          <p:spTgt spid="8">
+                                            <p:graphicEl>
+                                              <a:dgm id="{EF0B90D2-F7FE-438F-AD66-E7EEA5E53D9A}"/>
+                                            </p:graphicEl>
+                                          </p:spTgt>
+                                        </p:tgtEl>
+                                        <p:attrNameLst>
+                                          <p:attrName>ppt_y</p:attrName>
+                                        </p:attrNameLst>
+                                      </p:cBhvr>
+                                      <p:tavLst>
+                                        <p:tav tm="0">
+                                          <p:val>
+                                            <p:strVal val="#ppt_y+.1"/>
+                                          </p:val>
+                                        </p:tav>
+                                        <p:tav tm="100000">
+                                          <p:val>
+                                            <p:strVal val="#ppt_y"/>
+                                          </p:val>
+                                        </p:tav>
+                                      </p:tavLst>
+                                    </p:anim>
+                                  </p:childTnLst>
+                                </p:cTn>
+                              </p:par>
+                              <p:par>
+                                <p:cTn id="17" presetID="42" presetClass="entr" presetSubtype="0" fill="hold" grpId="0" nodeType="withEffect">
+                                  <p:stCondLst>
+                                    <p:cond delay="0"/>
+                                  </p:stCondLst>
+                                  <p:childTnLst>
+                                    <p:set>
+                                      <p:cBhvr>
+                                        <p:cTn id="18" dur="1" fill="hold">
+                                          <p:stCondLst>
+                                            <p:cond delay="0"/>
+                                          </p:stCondLst>
+                                        </p:cTn>
+                                        <p:tgtEl>
+                                          <p:spTgt spid="8">
+                                            <p:graphicEl>
+                                              <a:dgm id="{133218C0-B437-469F-98D3-41DB3EBF3D0A}"/>
+                                            </p:graphicEl>
+                                          </p:spTgt>
+                                        </p:tgtEl>
+                                        <p:attrNameLst>
+                                          <p:attrName>style.visibility</p:attrName>
+                                        </p:attrNameLst>
+                                      </p:cBhvr>
+                                      <p:to>
+                                        <p:strVal val="visible"/>
+                                      </p:to>
+                                    </p:set>
+                                    <p:animEffect transition="in" filter="fade">
+                                      <p:cBhvr>
+                                        <p:cTn id="19" dur="250"/>
+                                        <p:tgtEl>
+                                          <p:spTgt spid="8">
+                                            <p:graphicEl>
+                                              <a:dgm id="{133218C0-B437-469F-98D3-41DB3EBF3D0A}"/>
+                                            </p:graphicEl>
+                                          </p:spTgt>
+                                        </p:tgtEl>
+                                      </p:cBhvr>
+                                    </p:animEffect>
+                                    <p:anim calcmode="lin" valueType="num">
+                                      <p:cBhvr>
+                                        <p:cTn id="20" dur="250" fill="hold"/>
+                                        <p:tgtEl>
+                                          <p:spTgt spid="8">
+                                            <p:graphicEl>
+                                              <a:dgm id="{133218C0-B437-469F-98D3-41DB3EBF3D0A}"/>
+                                            </p:graphicEl>
+                                          </p:spTgt>
+                                        </p:tgtEl>
+                                        <p:attrNameLst>
+                                          <p:attrName>ppt_x</p:attrName>
+                                        </p:attrNameLst>
+                                      </p:cBhvr>
+                                      <p:tavLst>
+                                        <p:tav tm="0">
+                                          <p:val>
+                                            <p:strVal val="#ppt_x"/>
+                                          </p:val>
+                                        </p:tav>
+                                        <p:tav tm="100000">
+                                          <p:val>
+                                            <p:strVal val="#ppt_x"/>
+                                          </p:val>
+                                        </p:tav>
+                                      </p:tavLst>
+                                    </p:anim>
+                                    <p:anim calcmode="lin" valueType="num">
+                                      <p:cBhvr>
+                                        <p:cTn id="21" dur="250" fill="hold"/>
+                                        <p:tgtEl>
+                                          <p:spTgt spid="8">
+                                            <p:graphicEl>
+                                              <a:dgm id="{133218C0-B437-469F-98D3-41DB3EBF3D0A}"/>
+                                            </p:graphicEl>
+                                          </p:spTgt>
+                                        </p:tgtEl>
+                                        <p:attrNameLst>
+                                          <p:attrName>ppt_y</p:attrName>
+                                        </p:attrNameLst>
+                                      </p:cBhvr>
+                                      <p:tavLst>
+                                        <p:tav tm="0">
+                                          <p:val>
+                                            <p:strVal val="#ppt_y+.1"/>
+                                          </p:val>
+                                        </p:tav>
+                                        <p:tav tm="100000">
+                                          <p:val>
+                                            <p:strVal val="#ppt_y"/>
+                                          </p:val>
+                                        </p:tav>
+                                      </p:tavLst>
+                                    </p:anim>
+                                  </p:childTnLst>
+                                </p:cTn>
+                              </p:par>
+                              <p:par>
+                                <p:cTn id="22" presetID="53" presetClass="entr" presetSubtype="16" fill="hold" grpId="0" nodeType="withEffect">
+                                  <p:stCondLst>
+                                    <p:cond delay="0"/>
+                                  </p:stCondLst>
+                                  <p:childTnLst>
+                                    <p:set>
+                                      <p:cBhvr>
+                                        <p:cTn id="23" dur="1" fill="hold">
+                                          <p:stCondLst>
+                                            <p:cond delay="0"/>
+                                          </p:stCondLst>
+                                        </p:cTn>
+                                        <p:tgtEl>
+                                          <p:spTgt spid="6"/>
+                                        </p:tgtEl>
+                                        <p:attrNameLst>
+                                          <p:attrName>style.visibility</p:attrName>
+                                        </p:attrNameLst>
+                                      </p:cBhvr>
+                                      <p:to>
+                                        <p:strVal val="visible"/>
+                                      </p:to>
+                                    </p:set>
+                                    <p:anim calcmode="lin" valueType="num">
+                                      <p:cBhvr>
+                                        <p:cTn id="24" dur="250" fill="hold"/>
+                                        <p:tgtEl>
+                                          <p:spTgt spid="6"/>
+                                        </p:tgtEl>
+                                        <p:attrNameLst>
+                                          <p:attrName>ppt_w</p:attrName>
+                                        </p:attrNameLst>
+                                      </p:cBhvr>
+                                      <p:tavLst>
+                                        <p:tav tm="0">
+                                          <p:val>
+                                            <p:fltVal val="0"/>
+                                          </p:val>
+                                        </p:tav>
+                                        <p:tav tm="100000">
+                                          <p:val>
+                                            <p:strVal val="#ppt_w"/>
+                                          </p:val>
+                                        </p:tav>
+                                      </p:tavLst>
+                                    </p:anim>
+                                    <p:anim calcmode="lin" valueType="num">
+                                      <p:cBhvr>
+                                        <p:cTn id="25" dur="250" fill="hold"/>
+                                        <p:tgtEl>
+                                          <p:spTgt spid="6"/>
+                                        </p:tgtEl>
+                                        <p:attrNameLst>
+                                          <p:attrName>ppt_h</p:attrName>
+                                        </p:attrNameLst>
+                                      </p:cBhvr>
+                                      <p:tavLst>
+                                        <p:tav tm="0">
+                                          <p:val>
+                                            <p:fltVal val="0"/>
+                                          </p:val>
+                                        </p:tav>
+                                        <p:tav tm="100000">
+                                          <p:val>
+                                            <p:strVal val="#ppt_h"/>
+                                          </p:val>
+                                        </p:tav>
+                                      </p:tavLst>
+                                    </p:anim>
+                                    <p:animEffect transition="in" filter="fade">
+                                      <p:cBhvr>
+                                        <p:cTn id="26" dur="250"/>
+                                        <p:tgtEl>
+                                          <p:spTgt spid="6"/>
+                                        </p:tgtEl>
+                                      </p:cBhvr>
+                                    </p:animEffect>
+                                  </p:childTnLst>
+                                </p:cTn>
+                              </p:par>
+                              <p:par>
+                                <p:cTn id="27" presetID="53" presetClass="entr" presetSubtype="16" fill="hold" grpId="0" nodeType="withEffect">
+                                  <p:stCondLst>
+                                    <p:cond delay="0"/>
+                                  </p:stCondLst>
+                                  <p:childTnLst>
+                                    <p:set>
+                                      <p:cBhvr>
+                                        <p:cTn id="28" dur="1" fill="hold">
+                                          <p:stCondLst>
+                                            <p:cond delay="0"/>
+                                          </p:stCondLst>
+                                        </p:cTn>
+                                        <p:tgtEl>
+                                          <p:spTgt spid="7"/>
+                                        </p:tgtEl>
+                                        <p:attrNameLst>
+                                          <p:attrName>style.visibility</p:attrName>
+                                        </p:attrNameLst>
+                                      </p:cBhvr>
+                                      <p:to>
+                                        <p:strVal val="visible"/>
+                                      </p:to>
+                                    </p:set>
+                                    <p:anim calcmode="lin" valueType="num">
+                                      <p:cBhvr>
+                                        <p:cTn id="29" dur="250" fill="hold"/>
+                                        <p:tgtEl>
+                                          <p:spTgt spid="7"/>
+                                        </p:tgtEl>
+                                        <p:attrNameLst>
+                                          <p:attrName>ppt_w</p:attrName>
+                                        </p:attrNameLst>
+                                      </p:cBhvr>
+                                      <p:tavLst>
+                                        <p:tav tm="0">
+                                          <p:val>
+                                            <p:fltVal val="0"/>
+                                          </p:val>
+                                        </p:tav>
+                                        <p:tav tm="100000">
+                                          <p:val>
+                                            <p:strVal val="#ppt_w"/>
+                                          </p:val>
+                                        </p:tav>
+                                      </p:tavLst>
+                                    </p:anim>
+                                    <p:anim calcmode="lin" valueType="num">
+                                      <p:cBhvr>
+                                        <p:cTn id="30" dur="250" fill="hold"/>
+                                        <p:tgtEl>
+                                          <p:spTgt spid="7"/>
+                                        </p:tgtEl>
+                                        <p:attrNameLst>
+                                          <p:attrName>ppt_h</p:attrName>
+                                        </p:attrNameLst>
+                                      </p:cBhvr>
+                                      <p:tavLst>
+                                        <p:tav tm="0">
+                                          <p:val>
+                                            <p:fltVal val="0"/>
+                                          </p:val>
+                                        </p:tav>
+                                        <p:tav tm="100000">
+                                          <p:val>
+                                            <p:strVal val="#ppt_h"/>
+                                          </p:val>
+                                        </p:tav>
+                                      </p:tavLst>
+                                    </p:anim>
+                                    <p:animEffect transition="in" filter="fade">
+                                      <p:cBhvr>
+                                        <p:cTn id="31" dur="250"/>
+                                        <p:tgtEl>
+                                          <p:spTgt spid="7"/>
+                                        </p:tgtEl>
+                                      </p:cBhvr>
+                                    </p:animEffect>
                                   </p:childTnLst>
                                 </p:cTn>
                               </p:par>
@@ -30687,15 +32182,19 @@
       </p:par>
     </p:tnLst>
     <p:bldLst>
-      <p:bldGraphic spid="8" grpId="0">
-        <p:bldAsOne/>
+      <p:bldGraphic spid="8" grpId="0" uiExpand="1">
+        <p:bldSub>
+          <a:bldDgm bld="one"/>
+        </p:bldSub>
       </p:bldGraphic>
+      <p:bldP spid="6" grpId="0" animBg="1"/>
+      <p:bldP spid="7" grpId="0" animBg="1"/>
     </p:bldLst>
   </p:timing>
 </p:sld>
 </file>
 
-<file path=ppt/slides/slide23.xml><?xml version="1.0" encoding="utf-8"?>
+<file path=ppt/slides/slide24.xml><?xml version="1.0" encoding="utf-8"?>
 <p:sld xmlns:a="http://schemas.openxmlformats.org/drawingml/2006/main" xmlns:r="http://schemas.openxmlformats.org/officeDocument/2006/relationships" xmlns:p="http://schemas.openxmlformats.org/presentationml/2006/main">
   <p:cSld>
     <p:spTree>
@@ -30895,7 +32394,7 @@
 </p:sld>
 </file>
 
-<file path=ppt/slides/slide24.xml><?xml version="1.0" encoding="utf-8"?>
+<file path=ppt/slides/slide25.xml><?xml version="1.0" encoding="utf-8"?>
 <p:sld xmlns:a="http://schemas.openxmlformats.org/drawingml/2006/main" xmlns:r="http://schemas.openxmlformats.org/officeDocument/2006/relationships" xmlns:p="http://schemas.openxmlformats.org/presentationml/2006/main">
   <p:cSld>
     <p:spTree>
@@ -31072,7 +32571,7 @@
 </p:sld>
 </file>
 
-<file path=ppt/slides/slide25.xml><?xml version="1.0" encoding="utf-8"?>
+<file path=ppt/slides/slide26.xml><?xml version="1.0" encoding="utf-8"?>
 <p:sld xmlns:a="http://schemas.openxmlformats.org/drawingml/2006/main" xmlns:r="http://schemas.openxmlformats.org/officeDocument/2006/relationships" xmlns:p="http://schemas.openxmlformats.org/presentationml/2006/main">
   <p:cSld>
     <p:spTree>
@@ -31304,7 +32803,7 @@
 </p:sld>
 </file>
 
-<file path=ppt/slides/slide26.xml><?xml version="1.0" encoding="utf-8"?>
+<file path=ppt/slides/slide27.xml><?xml version="1.0" encoding="utf-8"?>
 <p:sld xmlns:a="http://schemas.openxmlformats.org/drawingml/2006/main" xmlns:r="http://schemas.openxmlformats.org/officeDocument/2006/relationships" xmlns:p="http://schemas.openxmlformats.org/presentationml/2006/main">
   <p:cSld>
     <p:spTree>
@@ -31550,7 +33049,7 @@
 </p:sld>
 </file>
 
-<file path=ppt/slides/slide27.xml><?xml version="1.0" encoding="utf-8"?>
+<file path=ppt/slides/slide28.xml><?xml version="1.0" encoding="utf-8"?>
 <p:sld xmlns:a="http://schemas.openxmlformats.org/drawingml/2006/main" xmlns:r="http://schemas.openxmlformats.org/officeDocument/2006/relationships" xmlns:p="http://schemas.openxmlformats.org/presentationml/2006/main">
   <p:cSld>
     <p:spTree>
@@ -31634,7 +33133,7 @@
 </p:sld>
 </file>
 
-<file path=ppt/slides/slide28.xml><?xml version="1.0" encoding="utf-8"?>
+<file path=ppt/slides/slide29.xml><?xml version="1.0" encoding="utf-8"?>
 <p:sld xmlns:a="http://schemas.openxmlformats.org/drawingml/2006/main" xmlns:r="http://schemas.openxmlformats.org/officeDocument/2006/relationships" xmlns:p="http://schemas.openxmlformats.org/presentationml/2006/main">
   <p:cSld>
     <p:spTree>
@@ -31713,95 +33212,6 @@
     <p:extLst>
       <p:ext uri="{BB962C8B-B14F-4D97-AF65-F5344CB8AC3E}">
         <p14:creationId xmlns:p14="http://schemas.microsoft.com/office/powerpoint/2010/main" val="3653794170"/>
-      </p:ext>
-    </p:extLst>
-  </p:cSld>
-  <p:clrMapOvr>
-    <a:masterClrMapping/>
-  </p:clrMapOvr>
-</p:sld>
-</file>
-
-<file path=ppt/slides/slide29.xml><?xml version="1.0" encoding="utf-8"?>
-<p:sld xmlns:a="http://schemas.openxmlformats.org/drawingml/2006/main" xmlns:r="http://schemas.openxmlformats.org/officeDocument/2006/relationships" xmlns:p="http://schemas.openxmlformats.org/presentationml/2006/main">
-  <p:cSld>
-    <p:spTree>
-      <p:nvGrpSpPr>
-        <p:cNvPr id="1" name=""/>
-        <p:cNvGrpSpPr/>
-        <p:nvPr/>
-      </p:nvGrpSpPr>
-      <p:grpSpPr>
-        <a:xfrm>
-          <a:off x="0" y="0"/>
-          <a:ext cx="0" cy="0"/>
-          <a:chOff x="0" y="0"/>
-          <a:chExt cx="0" cy="0"/>
-        </a:xfrm>
-      </p:grpSpPr>
-      <p:sp>
-        <p:nvSpPr>
-          <p:cNvPr id="2" name="タイトル 1">
-            <a:extLst>
-              <a:ext uri="{FF2B5EF4-FFF2-40B4-BE49-F238E27FC236}">
-                <a16:creationId xmlns:a16="http://schemas.microsoft.com/office/drawing/2014/main" id="{DA9C6EA7-F98F-4957-81FA-128CE06EF546}"/>
-              </a:ext>
-            </a:extLst>
-          </p:cNvPr>
-          <p:cNvSpPr>
-            <a:spLocks noGrp="1"/>
-          </p:cNvSpPr>
-          <p:nvPr>
-            <p:ph type="title"/>
-          </p:nvPr>
-        </p:nvSpPr>
-        <p:spPr/>
-        <p:txBody>
-          <a:bodyPr/>
-          <a:lstStyle/>
-          <a:p>
-            <a:r>
-              <a:rPr kumimoji="1" lang="ja-JP" altLang="en-US" dirty="0"/>
-              <a:t>解決策</a:t>
-            </a:r>
-          </a:p>
-        </p:txBody>
-      </p:sp>
-      <p:graphicFrame>
-        <p:nvGraphicFramePr>
-          <p:cNvPr id="4" name="コンテンツ プレースホルダー 3">
-            <a:extLst>
-              <a:ext uri="{FF2B5EF4-FFF2-40B4-BE49-F238E27FC236}">
-                <a16:creationId xmlns:a16="http://schemas.microsoft.com/office/drawing/2014/main" id="{78776275-85F0-4794-800C-C6B054FE948F}"/>
-              </a:ext>
-            </a:extLst>
-          </p:cNvPr>
-          <p:cNvGraphicFramePr>
-            <a:graphicFrameLocks noGrp="1"/>
-          </p:cNvGraphicFramePr>
-          <p:nvPr>
-            <p:ph idx="1"/>
-            <p:extLst>
-              <p:ext uri="{D42A27DB-BD31-4B8C-83A1-F6EECF244321}">
-                <p14:modId xmlns:p14="http://schemas.microsoft.com/office/powerpoint/2010/main" val="3866294517"/>
-              </p:ext>
-            </p:extLst>
-          </p:nvPr>
-        </p:nvGraphicFramePr>
-        <p:xfrm>
-          <a:off x="609207" y="2030625"/>
-          <a:ext cx="10973586" cy="4351338"/>
-        </p:xfrm>
-        <a:graphic>
-          <a:graphicData uri="http://schemas.openxmlformats.org/drawingml/2006/diagram">
-            <dgm:relIds xmlns:dgm="http://schemas.openxmlformats.org/drawingml/2006/diagram" xmlns:r="http://schemas.openxmlformats.org/officeDocument/2006/relationships" r:dm="rId2" r:lo="rId3" r:qs="rId4" r:cs="rId5"/>
-          </a:graphicData>
-        </a:graphic>
-      </p:graphicFrame>
-    </p:spTree>
-    <p:extLst>
-      <p:ext uri="{BB962C8B-B14F-4D97-AF65-F5344CB8AC3E}">
-        <p14:creationId xmlns:p14="http://schemas.microsoft.com/office/powerpoint/2010/main" val="3531672683"/>
       </p:ext>
     </p:extLst>
   </p:cSld>
@@ -31895,12 +33305,22 @@
             <a:endParaRPr kumimoji="1" lang="en-US" altLang="ja-JP" b="1" dirty="0"/>
           </a:p>
           <a:p>
-            <a:pPr marL="0" indent="0">
+            <a:pPr marL="5646738" indent="-5646738">
               <a:buNone/>
+              <a:tabLst>
+                <a:tab pos="5383213" algn="l"/>
+              </a:tabLst>
             </a:pPr>
             <a:r>
               <a:rPr kumimoji="1" lang="ja-JP" altLang="en-US" b="1" dirty="0"/>
-              <a:t>「回路はプレイヤーから遠ざける」という</a:t>
+              <a:t>「回路はプレイヤーから遠ざけるべき」</a:t>
+            </a:r>
+            <a:br>
+              <a:rPr lang="en-US" altLang="ja-JP" b="1" dirty="0"/>
+            </a:br>
+            <a:r>
+              <a:rPr kumimoji="1" lang="ja-JP" altLang="en-US" b="1" dirty="0"/>
+              <a:t>という</a:t>
             </a:r>
             <a:r>
               <a:rPr kumimoji="1" lang="ja-JP" altLang="en-US" b="1" dirty="0">
@@ -32027,6 +33447,95 @@
           <p:cNvPr id="2" name="タイトル 1">
             <a:extLst>
               <a:ext uri="{FF2B5EF4-FFF2-40B4-BE49-F238E27FC236}">
+                <a16:creationId xmlns:a16="http://schemas.microsoft.com/office/drawing/2014/main" id="{DA9C6EA7-F98F-4957-81FA-128CE06EF546}"/>
+              </a:ext>
+            </a:extLst>
+          </p:cNvPr>
+          <p:cNvSpPr>
+            <a:spLocks noGrp="1"/>
+          </p:cNvSpPr>
+          <p:nvPr>
+            <p:ph type="title"/>
+          </p:nvPr>
+        </p:nvSpPr>
+        <p:spPr/>
+        <p:txBody>
+          <a:bodyPr/>
+          <a:lstStyle/>
+          <a:p>
+            <a:r>
+              <a:rPr kumimoji="1" lang="ja-JP" altLang="en-US" dirty="0"/>
+              <a:t>解決策</a:t>
+            </a:r>
+          </a:p>
+        </p:txBody>
+      </p:sp>
+      <p:graphicFrame>
+        <p:nvGraphicFramePr>
+          <p:cNvPr id="4" name="コンテンツ プレースホルダー 3">
+            <a:extLst>
+              <a:ext uri="{FF2B5EF4-FFF2-40B4-BE49-F238E27FC236}">
+                <a16:creationId xmlns:a16="http://schemas.microsoft.com/office/drawing/2014/main" id="{78776275-85F0-4794-800C-C6B054FE948F}"/>
+              </a:ext>
+            </a:extLst>
+          </p:cNvPr>
+          <p:cNvGraphicFramePr>
+            <a:graphicFrameLocks noGrp="1"/>
+          </p:cNvGraphicFramePr>
+          <p:nvPr>
+            <p:ph idx="1"/>
+            <p:extLst>
+              <p:ext uri="{D42A27DB-BD31-4B8C-83A1-F6EECF244321}">
+                <p14:modId xmlns:p14="http://schemas.microsoft.com/office/powerpoint/2010/main" val="3866294517"/>
+              </p:ext>
+            </p:extLst>
+          </p:nvPr>
+        </p:nvGraphicFramePr>
+        <p:xfrm>
+          <a:off x="609207" y="2030625"/>
+          <a:ext cx="10973586" cy="4351338"/>
+        </p:xfrm>
+        <a:graphic>
+          <a:graphicData uri="http://schemas.openxmlformats.org/drawingml/2006/diagram">
+            <dgm:relIds xmlns:dgm="http://schemas.openxmlformats.org/drawingml/2006/diagram" xmlns:r="http://schemas.openxmlformats.org/officeDocument/2006/relationships" r:dm="rId2" r:lo="rId3" r:qs="rId4" r:cs="rId5"/>
+          </a:graphicData>
+        </a:graphic>
+      </p:graphicFrame>
+    </p:spTree>
+    <p:extLst>
+      <p:ext uri="{BB962C8B-B14F-4D97-AF65-F5344CB8AC3E}">
+        <p14:creationId xmlns:p14="http://schemas.microsoft.com/office/powerpoint/2010/main" val="3531672683"/>
+      </p:ext>
+    </p:extLst>
+  </p:cSld>
+  <p:clrMapOvr>
+    <a:masterClrMapping/>
+  </p:clrMapOvr>
+</p:sld>
+</file>
+
+<file path=ppt/slides/slide31.xml><?xml version="1.0" encoding="utf-8"?>
+<p:sld xmlns:a="http://schemas.openxmlformats.org/drawingml/2006/main" xmlns:r="http://schemas.openxmlformats.org/officeDocument/2006/relationships" xmlns:p="http://schemas.openxmlformats.org/presentationml/2006/main">
+  <p:cSld>
+    <p:spTree>
+      <p:nvGrpSpPr>
+        <p:cNvPr id="1" name=""/>
+        <p:cNvGrpSpPr/>
+        <p:nvPr/>
+      </p:nvGrpSpPr>
+      <p:grpSpPr>
+        <a:xfrm>
+          <a:off x="0" y="0"/>
+          <a:ext cx="0" cy="0"/>
+          <a:chOff x="0" y="0"/>
+          <a:chExt cx="0" cy="0"/>
+        </a:xfrm>
+      </p:grpSpPr>
+      <p:sp>
+        <p:nvSpPr>
+          <p:cNvPr id="2" name="タイトル 1">
+            <a:extLst>
+              <a:ext uri="{FF2B5EF4-FFF2-40B4-BE49-F238E27FC236}">
                 <a16:creationId xmlns:a16="http://schemas.microsoft.com/office/drawing/2014/main" id="{CDD99045-9D60-4FCA-8022-410193C8EFE4}"/>
               </a:ext>
             </a:extLst>
@@ -32103,7 +33612,7 @@
 </p:sld>
 </file>
 
-<file path=ppt/slides/slide31.xml><?xml version="1.0" encoding="utf-8"?>
+<file path=ppt/slides/slide32.xml><?xml version="1.0" encoding="utf-8"?>
 <p:sld xmlns:a="http://schemas.openxmlformats.org/drawingml/2006/main" xmlns:r="http://schemas.openxmlformats.org/officeDocument/2006/relationships" xmlns:p="http://schemas.openxmlformats.org/presentationml/2006/main">
   <p:cSld>
     <p:spTree>
@@ -32203,7 +33712,7 @@
 </p:sld>
 </file>
 
-<file path=ppt/slides/slide32.xml><?xml version="1.0" encoding="utf-8"?>
+<file path=ppt/slides/slide33.xml><?xml version="1.0" encoding="utf-8"?>
 <p:sld xmlns:a="http://schemas.openxmlformats.org/drawingml/2006/main" xmlns:r="http://schemas.openxmlformats.org/officeDocument/2006/relationships" xmlns:p="http://schemas.openxmlformats.org/presentationml/2006/main">
   <p:cSld>
     <p:spTree>
@@ -32564,7 +34073,7 @@
 </p:sld>
 </file>
 
-<file path=ppt/slides/slide33.xml><?xml version="1.0" encoding="utf-8"?>
+<file path=ppt/slides/slide34.xml><?xml version="1.0" encoding="utf-8"?>
 <p:sld xmlns:a="http://schemas.openxmlformats.org/drawingml/2006/main" xmlns:r="http://schemas.openxmlformats.org/officeDocument/2006/relationships" xmlns:p="http://schemas.openxmlformats.org/presentationml/2006/main">
   <p:cSld>
     <p:spTree>
@@ -32647,7 +34156,7 @@
 </p:sld>
 </file>
 
-<file path=ppt/slides/slide34.xml><?xml version="1.0" encoding="utf-8"?>
+<file path=ppt/slides/slide35.xml><?xml version="1.0" encoding="utf-8"?>
 <p:sld xmlns:a="http://schemas.openxmlformats.org/drawingml/2006/main" xmlns:r="http://schemas.openxmlformats.org/officeDocument/2006/relationships" xmlns:p="http://schemas.openxmlformats.org/presentationml/2006/main">
   <p:cSld>
     <p:spTree>
@@ -32748,7 +34257,7 @@
 </p:sld>
 </file>
 
-<file path=ppt/slides/slide35.xml><?xml version="1.0" encoding="utf-8"?>
+<file path=ppt/slides/slide36.xml><?xml version="1.0" encoding="utf-8"?>
 <p:sld xmlns:a="http://schemas.openxmlformats.org/drawingml/2006/main" xmlns:r="http://schemas.openxmlformats.org/officeDocument/2006/relationships" xmlns:p="http://schemas.openxmlformats.org/presentationml/2006/main">
   <p:cSld>
     <p:spTree>
@@ -32904,7 +34413,10 @@
           <a:bodyPr/>
           <a:lstStyle/>
           <a:p>
-            <a:endParaRPr kumimoji="1" lang="ja-JP" altLang="en-US"/>
+            <a:r>
+              <a:rPr kumimoji="1" lang="ja-JP" altLang="en-US" dirty="0"/>
+              <a:t>あ</a:t>
+            </a:r>
           </a:p>
         </p:txBody>
       </p:sp>
@@ -32966,12 +34478,213 @@
           </a:p>
         </p:txBody>
       </p:sp>
+      <p:pic>
+        <p:nvPicPr>
+          <p:cNvPr id="12" name="cut_01_01">
+            <a:hlinkClick r:id="" action="ppaction://media"/>
+            <a:extLst>
+              <a:ext uri="{FF2B5EF4-FFF2-40B4-BE49-F238E27FC236}">
+                <a16:creationId xmlns:a16="http://schemas.microsoft.com/office/drawing/2014/main" id="{830EAE9B-2266-4B8E-B60B-E9097F53767F}"/>
+              </a:ext>
+            </a:extLst>
+          </p:cNvPr>
+          <p:cNvPicPr>
+            <a:picLocks noGrp="1" noChangeAspect="1"/>
+          </p:cNvPicPr>
+          <p:nvPr>
+            <p:ph idx="1"/>
+            <a:videoFile r:link="rId2"/>
+            <p:extLst>
+              <p:ext uri="{DAA4B4D4-6D71-4841-9C94-3DE7FCFB9230}">
+                <p14:media xmlns:p14="http://schemas.microsoft.com/office/powerpoint/2010/main" r:embed="rId1"/>
+              </p:ext>
+            </p:extLst>
+          </p:nvPr>
+        </p:nvPicPr>
+        <p:blipFill>
+          <a:blip r:embed="rId4"/>
+          <a:stretch>
+            <a:fillRect/>
+          </a:stretch>
+        </p:blipFill>
+        <p:spPr>
+          <a:xfrm>
+            <a:off x="2227263" y="1898650"/>
+            <a:ext cx="7735887" cy="4351338"/>
+          </a:xfrm>
+        </p:spPr>
+      </p:pic>
+    </p:spTree>
+    <p:extLst>
+      <p:ext uri="{BB962C8B-B14F-4D97-AF65-F5344CB8AC3E}">
+        <p14:creationId xmlns:p14="http://schemas.microsoft.com/office/powerpoint/2010/main" val="222798081"/>
+      </p:ext>
+    </p:extLst>
+  </p:cSld>
+  <p:clrMapOvr>
+    <a:masterClrMapping/>
+  </p:clrMapOvr>
+  <p:timing>
+    <p:tnLst>
+      <p:par>
+        <p:cTn id="1" dur="indefinite" restart="never" nodeType="tmRoot">
+          <p:childTnLst>
+            <p:seq concurrent="1" nextAc="seek">
+              <p:cTn id="2" dur="indefinite" nodeType="mainSeq">
+                <p:childTnLst>
+                  <p:par>
+                    <p:cTn id="3" fill="hold">
+                      <p:stCondLst>
+                        <p:cond delay="indefinite"/>
+                      </p:stCondLst>
+                      <p:childTnLst>
+                        <p:par>
+                          <p:cTn id="4" fill="hold">
+                            <p:stCondLst>
+                              <p:cond delay="0"/>
+                            </p:stCondLst>
+                            <p:childTnLst>
+                              <p:par>
+                                <p:cTn id="5" presetID="1" presetClass="mediacall" presetSubtype="0" fill="hold" nodeType="clickEffect">
+                                  <p:stCondLst>
+                                    <p:cond delay="0"/>
+                                  </p:stCondLst>
+                                  <p:childTnLst>
+                                    <p:cmd type="call" cmd="playFrom(0.0)">
+                                      <p:cBhvr>
+                                        <p:cTn id="6" dur="1109" fill="hold"/>
+                                        <p:tgtEl>
+                                          <p:spTgt spid="12"/>
+                                        </p:tgtEl>
+                                      </p:cBhvr>
+                                    </p:cmd>
+                                  </p:childTnLst>
+                                </p:cTn>
+                              </p:par>
+                            </p:childTnLst>
+                          </p:cTn>
+                        </p:par>
+                      </p:childTnLst>
+                    </p:cTn>
+                  </p:par>
+                </p:childTnLst>
+              </p:cTn>
+              <p:prevCondLst>
+                <p:cond evt="onPrev" delay="0">
+                  <p:tgtEl>
+                    <p:sldTgt/>
+                  </p:tgtEl>
+                </p:cond>
+              </p:prevCondLst>
+              <p:nextCondLst>
+                <p:cond evt="onNext" delay="0">
+                  <p:tgtEl>
+                    <p:sldTgt/>
+                  </p:tgtEl>
+                </p:cond>
+              </p:nextCondLst>
+            </p:seq>
+            <p:video>
+              <p:cMediaNode vol="80000">
+                <p:cTn id="7" fill="hold" display="0">
+                  <p:stCondLst>
+                    <p:cond delay="indefinite"/>
+                  </p:stCondLst>
+                </p:cTn>
+                <p:tgtEl>
+                  <p:spTgt spid="12"/>
+                </p:tgtEl>
+              </p:cMediaNode>
+            </p:video>
+            <p:seq concurrent="1" nextAc="seek">
+              <p:cTn id="8" restart="whenNotActive" fill="hold" evtFilter="cancelBubble" nodeType="interactiveSeq">
+                <p:stCondLst>
+                  <p:cond evt="onClick" delay="0">
+                    <p:tgtEl>
+                      <p:spTgt spid="12"/>
+                    </p:tgtEl>
+                  </p:cond>
+                </p:stCondLst>
+                <p:endSync evt="end" delay="0">
+                  <p:rtn val="all"/>
+                </p:endSync>
+                <p:childTnLst>
+                  <p:par>
+                    <p:cTn id="9" fill="hold">
+                      <p:stCondLst>
+                        <p:cond delay="0"/>
+                      </p:stCondLst>
+                      <p:childTnLst>
+                        <p:par>
+                          <p:cTn id="10" fill="hold">
+                            <p:stCondLst>
+                              <p:cond delay="0"/>
+                            </p:stCondLst>
+                            <p:childTnLst>
+                              <p:par>
+                                <p:cTn id="11" presetID="2" presetClass="mediacall" presetSubtype="0" fill="hold" nodeType="clickEffect">
+                                  <p:stCondLst>
+                                    <p:cond delay="0"/>
+                                  </p:stCondLst>
+                                  <p:childTnLst>
+                                    <p:cmd type="call" cmd="togglePause">
+                                      <p:cBhvr>
+                                        <p:cTn id="12" dur="1" fill="hold"/>
+                                        <p:tgtEl>
+                                          <p:spTgt spid="12"/>
+                                        </p:tgtEl>
+                                      </p:cBhvr>
+                                    </p:cmd>
+                                  </p:childTnLst>
+                                </p:cTn>
+                              </p:par>
+                            </p:childTnLst>
+                          </p:cTn>
+                        </p:par>
+                      </p:childTnLst>
+                    </p:cTn>
+                  </p:par>
+                </p:childTnLst>
+              </p:cTn>
+              <p:nextCondLst>
+                <p:cond evt="onClick" delay="0">
+                  <p:tgtEl>
+                    <p:spTgt spid="12"/>
+                  </p:tgtEl>
+                </p:cond>
+              </p:nextCondLst>
+            </p:seq>
+          </p:childTnLst>
+        </p:cTn>
+      </p:par>
+    </p:tnLst>
+  </p:timing>
+</p:sld>
+</file>
+
+<file path=ppt/slides/slide6.xml><?xml version="1.0" encoding="utf-8"?>
+<p:sld xmlns:a="http://schemas.openxmlformats.org/drawingml/2006/main" xmlns:r="http://schemas.openxmlformats.org/officeDocument/2006/relationships" xmlns:p="http://schemas.openxmlformats.org/presentationml/2006/main">
+  <p:cSld>
+    <p:spTree>
+      <p:nvGrpSpPr>
+        <p:cNvPr id="1" name=""/>
+        <p:cNvGrpSpPr/>
+        <p:nvPr/>
+      </p:nvGrpSpPr>
+      <p:grpSpPr>
+        <a:xfrm>
+          <a:off x="0" y="0"/>
+          <a:ext cx="0" cy="0"/>
+          <a:chOff x="0" y="0"/>
+          <a:chExt cx="0" cy="0"/>
+        </a:xfrm>
+      </p:grpSpPr>
       <p:sp>
         <p:nvSpPr>
-          <p:cNvPr id="3" name="コンテンツ プレースホルダー 2">
+          <p:cNvPr id="2" name="タイトル 1">
             <a:extLst>
               <a:ext uri="{FF2B5EF4-FFF2-40B4-BE49-F238E27FC236}">
-                <a16:creationId xmlns:a16="http://schemas.microsoft.com/office/drawing/2014/main" id="{F8805866-FA22-4ED4-A20E-06DB24AAA202}"/>
+                <a16:creationId xmlns:a16="http://schemas.microsoft.com/office/drawing/2014/main" id="{1438A137-C1DC-4668-8B90-E3BC005FAB39}"/>
               </a:ext>
             </a:extLst>
           </p:cNvPr>
@@ -32979,7 +34692,7 @@
             <a:spLocks noGrp="1"/>
           </p:cNvSpPr>
           <p:nvPr>
-            <p:ph idx="1"/>
+            <p:ph type="title"/>
           </p:nvPr>
         </p:nvSpPr>
         <p:spPr/>
@@ -32991,20 +34704,191 @@
           </a:p>
         </p:txBody>
       </p:sp>
+      <p:pic>
+        <p:nvPicPr>
+          <p:cNvPr id="4" name="cut_01_02">
+            <a:hlinkClick r:id="" action="ppaction://media"/>
+            <a:extLst>
+              <a:ext uri="{FF2B5EF4-FFF2-40B4-BE49-F238E27FC236}">
+                <a16:creationId xmlns:a16="http://schemas.microsoft.com/office/drawing/2014/main" id="{63D04D90-D06B-4859-BA97-0C16C04ABA5E}"/>
+              </a:ext>
+            </a:extLst>
+          </p:cNvPr>
+          <p:cNvPicPr>
+            <a:picLocks noGrp="1" noChangeAspect="1"/>
+          </p:cNvPicPr>
+          <p:nvPr>
+            <p:ph idx="1"/>
+            <a:videoFile r:link="rId2"/>
+            <p:extLst>
+              <p:ext uri="{DAA4B4D4-6D71-4841-9C94-3DE7FCFB9230}">
+                <p14:media xmlns:p14="http://schemas.microsoft.com/office/powerpoint/2010/main" r:embed="rId1"/>
+              </p:ext>
+            </p:extLst>
+          </p:nvPr>
+        </p:nvPicPr>
+        <p:blipFill>
+          <a:blip r:embed="rId4"/>
+          <a:stretch>
+            <a:fillRect/>
+          </a:stretch>
+        </p:blipFill>
+        <p:spPr>
+          <a:xfrm>
+            <a:off x="2227263" y="1898650"/>
+            <a:ext cx="7735887" cy="4351338"/>
+          </a:xfrm>
+        </p:spPr>
+      </p:pic>
     </p:spTree>
     <p:extLst>
       <p:ext uri="{BB962C8B-B14F-4D97-AF65-F5344CB8AC3E}">
-        <p14:creationId xmlns:p14="http://schemas.microsoft.com/office/powerpoint/2010/main" val="222798081"/>
+        <p14:creationId xmlns:p14="http://schemas.microsoft.com/office/powerpoint/2010/main" val="3280311990"/>
       </p:ext>
     </p:extLst>
   </p:cSld>
   <p:clrMapOvr>
     <a:masterClrMapping/>
   </p:clrMapOvr>
+  <p:timing>
+    <p:tnLst>
+      <p:par>
+        <p:cTn id="1" dur="indefinite" restart="never" nodeType="tmRoot">
+          <p:childTnLst>
+            <p:seq concurrent="1" nextAc="seek">
+              <p:cTn id="2" dur="indefinite" nodeType="mainSeq">
+                <p:childTnLst>
+                  <p:par>
+                    <p:cTn id="3" fill="hold">
+                      <p:stCondLst>
+                        <p:cond delay="indefinite"/>
+                      </p:stCondLst>
+                      <p:childTnLst>
+                        <p:par>
+                          <p:cTn id="4" fill="hold">
+                            <p:stCondLst>
+                              <p:cond delay="0"/>
+                            </p:stCondLst>
+                            <p:childTnLst>
+                              <p:par>
+                                <p:cTn id="5" presetID="1" presetClass="mediacall" presetSubtype="0" fill="hold" nodeType="clickEffect">
+                                  <p:stCondLst>
+                                    <p:cond delay="0"/>
+                                  </p:stCondLst>
+                                  <p:childTnLst>
+                                    <p:cmd type="call" cmd="playFrom(0.0)">
+                                      <p:cBhvr>
+                                        <p:cTn id="6" dur="1045" fill="hold"/>
+                                        <p:tgtEl>
+                                          <p:spTgt spid="4"/>
+                                        </p:tgtEl>
+                                      </p:cBhvr>
+                                    </p:cmd>
+                                  </p:childTnLst>
+                                </p:cTn>
+                              </p:par>
+                            </p:childTnLst>
+                          </p:cTn>
+                        </p:par>
+                      </p:childTnLst>
+                    </p:cTn>
+                  </p:par>
+                </p:childTnLst>
+              </p:cTn>
+              <p:prevCondLst>
+                <p:cond evt="onPrev" delay="0">
+                  <p:tgtEl>
+                    <p:sldTgt/>
+                  </p:tgtEl>
+                </p:cond>
+              </p:prevCondLst>
+              <p:nextCondLst>
+                <p:cond evt="onNext" delay="0">
+                  <p:tgtEl>
+                    <p:sldTgt/>
+                  </p:tgtEl>
+                </p:cond>
+              </p:nextCondLst>
+            </p:seq>
+            <p:video>
+              <p:cMediaNode vol="80000">
+                <p:cTn id="7" fill="hold" display="0">
+                  <p:stCondLst>
+                    <p:cond delay="indefinite"/>
+                  </p:stCondLst>
+                </p:cTn>
+                <p:tgtEl>
+                  <p:spTgt spid="4"/>
+                </p:tgtEl>
+              </p:cMediaNode>
+            </p:video>
+            <p:seq concurrent="1" nextAc="seek">
+              <p:cTn id="8" restart="whenNotActive" fill="hold" evtFilter="cancelBubble" nodeType="interactiveSeq">
+                <p:stCondLst>
+                  <p:cond evt="onClick" delay="0">
+                    <p:tgtEl>
+                      <p:spTgt spid="4"/>
+                    </p:tgtEl>
+                  </p:cond>
+                </p:stCondLst>
+                <p:endSync evt="end" delay="0">
+                  <p:rtn val="all"/>
+                </p:endSync>
+                <p:childTnLst>
+                  <p:par>
+                    <p:cTn id="9" fill="hold">
+                      <p:stCondLst>
+                        <p:cond delay="0"/>
+                      </p:stCondLst>
+                      <p:childTnLst>
+                        <p:par>
+                          <p:cTn id="10" fill="hold">
+                            <p:stCondLst>
+                              <p:cond delay="0"/>
+                            </p:stCondLst>
+                            <p:childTnLst>
+                              <p:par>
+                                <p:cTn id="11" presetID="2" presetClass="mediacall" presetSubtype="0" fill="hold" nodeType="clickEffect">
+                                  <p:stCondLst>
+                                    <p:cond delay="0"/>
+                                  </p:stCondLst>
+                                  <p:childTnLst>
+                                    <p:cmd type="call" cmd="togglePause">
+                                      <p:cBhvr>
+                                        <p:cTn id="12" dur="1" fill="hold"/>
+                                        <p:tgtEl>
+                                          <p:spTgt spid="4"/>
+                                        </p:tgtEl>
+                                      </p:cBhvr>
+                                    </p:cmd>
+                                  </p:childTnLst>
+                                </p:cTn>
+                              </p:par>
+                            </p:childTnLst>
+                          </p:cTn>
+                        </p:par>
+                      </p:childTnLst>
+                    </p:cTn>
+                  </p:par>
+                </p:childTnLst>
+              </p:cTn>
+              <p:nextCondLst>
+                <p:cond evt="onClick" delay="0">
+                  <p:tgtEl>
+                    <p:spTgt spid="4"/>
+                  </p:tgtEl>
+                </p:cond>
+              </p:nextCondLst>
+            </p:seq>
+          </p:childTnLst>
+        </p:cTn>
+      </p:par>
+    </p:tnLst>
+  </p:timing>
 </p:sld>
 </file>
 
-<file path=ppt/slides/slide6.xml><?xml version="1.0" encoding="utf-8"?>
+<file path=ppt/slides/slide7.xml><?xml version="1.0" encoding="utf-8"?>
 <p:sld xmlns:a="http://schemas.openxmlformats.org/drawingml/2006/main" xmlns:r="http://schemas.openxmlformats.org/officeDocument/2006/relationships" xmlns:p="http://schemas.openxmlformats.org/presentationml/2006/main">
   <p:cSld>
     <p:spTree>
@@ -33087,7 +34971,7 @@
 </p:sld>
 </file>
 
-<file path=ppt/slides/slide7.xml><?xml version="1.0" encoding="utf-8"?>
+<file path=ppt/slides/slide8.xml><?xml version="1.0" encoding="utf-8"?>
 <p:sld xmlns:a="http://schemas.openxmlformats.org/drawingml/2006/main" xmlns:r="http://schemas.openxmlformats.org/officeDocument/2006/relationships" xmlns:p="http://schemas.openxmlformats.org/presentationml/2006/main">
   <p:cSld>
     <p:spTree>
@@ -33170,7 +35054,7 @@
 </p:sld>
 </file>
 
-<file path=ppt/slides/slide8.xml><?xml version="1.0" encoding="utf-8"?>
+<file path=ppt/slides/slide9.xml><?xml version="1.0" encoding="utf-8"?>
 <p:sld xmlns:a="http://schemas.openxmlformats.org/drawingml/2006/main" xmlns:r="http://schemas.openxmlformats.org/officeDocument/2006/relationships" xmlns:p="http://schemas.openxmlformats.org/presentationml/2006/main">
   <p:cSld>
     <p:spTree>
@@ -33644,95 +35528,6 @@
     <p:extLst>
       <p:ext uri="{BB962C8B-B14F-4D97-AF65-F5344CB8AC3E}">
         <p14:creationId xmlns:p14="http://schemas.microsoft.com/office/powerpoint/2010/main" val="1888819616"/>
-      </p:ext>
-    </p:extLst>
-  </p:cSld>
-  <p:clrMapOvr>
-    <a:masterClrMapping/>
-  </p:clrMapOvr>
-</p:sld>
-</file>
-
-<file path=ppt/slides/slide9.xml><?xml version="1.0" encoding="utf-8"?>
-<p:sld xmlns:a="http://schemas.openxmlformats.org/drawingml/2006/main" xmlns:r="http://schemas.openxmlformats.org/officeDocument/2006/relationships" xmlns:p="http://schemas.openxmlformats.org/presentationml/2006/main">
-  <p:cSld>
-    <p:spTree>
-      <p:nvGrpSpPr>
-        <p:cNvPr id="1" name=""/>
-        <p:cNvGrpSpPr/>
-        <p:nvPr/>
-      </p:nvGrpSpPr>
-      <p:grpSpPr>
-        <a:xfrm>
-          <a:off x="0" y="0"/>
-          <a:ext cx="0" cy="0"/>
-          <a:chOff x="0" y="0"/>
-          <a:chExt cx="0" cy="0"/>
-        </a:xfrm>
-      </p:grpSpPr>
-      <p:sp>
-        <p:nvSpPr>
-          <p:cNvPr id="2" name="タイトル 1">
-            <a:extLst>
-              <a:ext uri="{FF2B5EF4-FFF2-40B4-BE49-F238E27FC236}">
-                <a16:creationId xmlns:a16="http://schemas.microsoft.com/office/drawing/2014/main" id="{51350801-3086-41FF-9858-93C4121A93D0}"/>
-              </a:ext>
-            </a:extLst>
-          </p:cNvPr>
-          <p:cNvSpPr>
-            <a:spLocks noGrp="1"/>
-          </p:cNvSpPr>
-          <p:nvPr>
-            <p:ph type="title"/>
-          </p:nvPr>
-        </p:nvSpPr>
-        <p:spPr/>
-        <p:txBody>
-          <a:bodyPr/>
-          <a:lstStyle/>
-          <a:p>
-            <a:r>
-              <a:rPr kumimoji="1" lang="ja-JP" altLang="en-US" dirty="0"/>
-              <a:t>作業分担</a:t>
-            </a:r>
-          </a:p>
-        </p:txBody>
-      </p:sp>
-      <p:graphicFrame>
-        <p:nvGraphicFramePr>
-          <p:cNvPr id="4" name="コンテンツ プレースホルダー 3">
-            <a:extLst>
-              <a:ext uri="{FF2B5EF4-FFF2-40B4-BE49-F238E27FC236}">
-                <a16:creationId xmlns:a16="http://schemas.microsoft.com/office/drawing/2014/main" id="{337A02F6-CFE7-4933-A70A-4E2CBD96B0C1}"/>
-              </a:ext>
-            </a:extLst>
-          </p:cNvPr>
-          <p:cNvGraphicFramePr>
-            <a:graphicFrameLocks noGrp="1"/>
-          </p:cNvGraphicFramePr>
-          <p:nvPr>
-            <p:ph idx="1"/>
-            <p:extLst>
-              <p:ext uri="{D42A27DB-BD31-4B8C-83A1-F6EECF244321}">
-                <p14:modId xmlns:p14="http://schemas.microsoft.com/office/powerpoint/2010/main" val="677814979"/>
-              </p:ext>
-            </p:extLst>
-          </p:nvPr>
-        </p:nvGraphicFramePr>
-        <p:xfrm>
-          <a:off x="1249017" y="2286276"/>
-          <a:ext cx="9693965" cy="3945559"/>
-        </p:xfrm>
-        <a:graphic>
-          <a:graphicData uri="http://schemas.openxmlformats.org/drawingml/2006/diagram">
-            <dgm:relIds xmlns:dgm="http://schemas.openxmlformats.org/drawingml/2006/diagram" xmlns:r="http://schemas.openxmlformats.org/officeDocument/2006/relationships" r:dm="rId3" r:lo="rId4" r:qs="rId5" r:cs="rId6"/>
-          </a:graphicData>
-        </a:graphic>
-      </p:graphicFrame>
-    </p:spTree>
-    <p:extLst>
-      <p:ext uri="{BB962C8B-B14F-4D97-AF65-F5344CB8AC3E}">
-        <p14:creationId xmlns:p14="http://schemas.microsoft.com/office/powerpoint/2010/main" val="768987267"/>
       </p:ext>
     </p:extLst>
   </p:cSld>
